--- a/Final-Powerpoint/Final.pptx
+++ b/Final-Powerpoint/Final.pptx
@@ -7081,7 +7081,7 @@
                   <a:schemeClr val="tx1"/>
                 </a:solidFill>
               </a:rPr>
-              <a:t>PHP, MySQL server</a:t>
+              <a:t>PHP, MySQL Server</a:t>
             </a:r>
           </a:p>
           <a:p>
@@ -7104,12 +7104,20 @@
               <a:buChar char="-"/>
             </a:pPr>
             <a:r>
+              <a:rPr lang="en-US" dirty="0">
+                <a:solidFill>
+                  <a:schemeClr val="tx1"/>
+                </a:solidFill>
+              </a:rPr>
+              <a:t>Set access permission (</a:t>
+            </a:r>
+            <a:r>
               <a:rPr lang="en-US" dirty="0" err="1">
                 <a:solidFill>
                   <a:schemeClr val="tx1"/>
                 </a:solidFill>
               </a:rPr>
-              <a:t>Weblab</a:t>
+              <a:t>chmod</a:t>
             </a:r>
             <a:r>
               <a:rPr lang="en-US" dirty="0">
@@ -7117,23 +7125,7 @@
                   <a:schemeClr val="tx1"/>
                 </a:solidFill>
               </a:rPr>
-              <a:t> is limited for web designer. (.</a:t>
-            </a:r>
-            <a:r>
-              <a:rPr lang="en-US" dirty="0" err="1">
-                <a:solidFill>
-                  <a:schemeClr val="tx1"/>
-                </a:solidFill>
-              </a:rPr>
-              <a:t>htaccess</a:t>
-            </a:r>
-            <a:r>
-              <a:rPr lang="en-US" dirty="0">
-                <a:solidFill>
-                  <a:schemeClr val="tx1"/>
-                </a:solidFill>
-              </a:rPr>
-              <a:t> is not allow to run on weblab.cs.uml.edu)</a:t>
+              <a:t>) for upload file to server</a:t>
             </a:r>
           </a:p>
           <a:p>
@@ -7157,7 +7149,7 @@
                   <a:schemeClr val="tx1"/>
                 </a:solidFill>
               </a:rPr>
-              <a:t>Forgot password have not added</a:t>
+              <a:t>Add email when register</a:t>
             </a:r>
           </a:p>
           <a:p>
@@ -7171,22 +7163,21 @@
                   <a:schemeClr val="tx1"/>
                 </a:solidFill>
               </a:rPr>
-              <a:t>Minor bug for delete albums</a:t>
-            </a:r>
-          </a:p>
-          <a:p>
-            <a:pPr lvl="1">
-              <a:buFontTx/>
-              <a:buChar char="-"/>
-            </a:pPr>
-            <a:r>
-              <a:rPr lang="en-US" dirty="0">
+              <a:t>Forgot password with </a:t>
+            </a:r>
+            <a:r>
+              <a:rPr lang="en-US">
                 <a:solidFill>
                   <a:schemeClr val="tx1"/>
                 </a:solidFill>
               </a:rPr>
-              <a:t>Admin user can’t create albums in member control panel</a:t>
-            </a:r>
+              <a:t>email confirmation</a:t>
+            </a:r>
+            <a:endParaRPr lang="en-US" dirty="0">
+              <a:solidFill>
+                <a:schemeClr val="tx1"/>
+              </a:solidFill>
+            </a:endParaRPr>
           </a:p>
         </p:txBody>
       </p:sp>

--- a/Final-Powerpoint/Final.pptx
+++ b/Final-Powerpoint/Final.pptx
@@ -316,7 +316,7 @@
           <a:p>
             <a:fld id="{F0B2718B-1D39-45AA-AC25-63B5A83F6FED}" type="datetimeFigureOut">
               <a:rPr lang="en-US" smtClean="0"/>
-              <a:t>12/3/2018</a:t>
+              <a:t>12/4/2018</a:t>
             </a:fld>
             <a:endParaRPr lang="en-US"/>
           </a:p>
@@ -752,7 +752,7 @@
           <a:p>
             <a:fld id="{F0B2718B-1D39-45AA-AC25-63B5A83F6FED}" type="datetimeFigureOut">
               <a:rPr lang="en-US" smtClean="0"/>
-              <a:t>12/3/2018</a:t>
+              <a:t>12/4/2018</a:t>
             </a:fld>
             <a:endParaRPr lang="en-US"/>
           </a:p>
@@ -1002,7 +1002,7 @@
           <a:p>
             <a:fld id="{F0B2718B-1D39-45AA-AC25-63B5A83F6FED}" type="datetimeFigureOut">
               <a:rPr lang="en-US" smtClean="0"/>
-              <a:t>12/3/2018</a:t>
+              <a:t>12/4/2018</a:t>
             </a:fld>
             <a:endParaRPr lang="en-US"/>
           </a:p>
@@ -1310,7 +1310,7 @@
           <a:p>
             <a:fld id="{F0B2718B-1D39-45AA-AC25-63B5A83F6FED}" type="datetimeFigureOut">
               <a:rPr lang="en-US" smtClean="0"/>
-              <a:t>12/3/2018</a:t>
+              <a:t>12/4/2018</a:t>
             </a:fld>
             <a:endParaRPr lang="en-US"/>
           </a:p>
@@ -1628,7 +1628,7 @@
           <a:p>
             <a:fld id="{F0B2718B-1D39-45AA-AC25-63B5A83F6FED}" type="datetimeFigureOut">
               <a:rPr lang="en-US" smtClean="0"/>
-              <a:t>12/3/2018</a:t>
+              <a:t>12/4/2018</a:t>
             </a:fld>
             <a:endParaRPr lang="en-US"/>
           </a:p>
@@ -1930,7 +1930,7 @@
           <a:p>
             <a:fld id="{F0B2718B-1D39-45AA-AC25-63B5A83F6FED}" type="datetimeFigureOut">
               <a:rPr lang="en-US" smtClean="0"/>
-              <a:t>12/3/2018</a:t>
+              <a:t>12/4/2018</a:t>
             </a:fld>
             <a:endParaRPr lang="en-US"/>
           </a:p>
@@ -2297,7 +2297,7 @@
           <a:p>
             <a:fld id="{F0B2718B-1D39-45AA-AC25-63B5A83F6FED}" type="datetimeFigureOut">
               <a:rPr lang="en-US" smtClean="0"/>
-              <a:t>12/3/2018</a:t>
+              <a:t>12/4/2018</a:t>
             </a:fld>
             <a:endParaRPr lang="en-US"/>
           </a:p>
@@ -2471,7 +2471,7 @@
           <a:p>
             <a:fld id="{F0B2718B-1D39-45AA-AC25-63B5A83F6FED}" type="datetimeFigureOut">
               <a:rPr lang="en-US" smtClean="0"/>
-              <a:t>12/3/2018</a:t>
+              <a:t>12/4/2018</a:t>
             </a:fld>
             <a:endParaRPr lang="en-US"/>
           </a:p>
@@ -2651,7 +2651,7 @@
           <a:p>
             <a:fld id="{F0B2718B-1D39-45AA-AC25-63B5A83F6FED}" type="datetimeFigureOut">
               <a:rPr lang="en-US" smtClean="0"/>
-              <a:t>12/3/2018</a:t>
+              <a:t>12/4/2018</a:t>
             </a:fld>
             <a:endParaRPr lang="en-US"/>
           </a:p>
@@ -2821,7 +2821,7 @@
           <a:p>
             <a:fld id="{F0B2718B-1D39-45AA-AC25-63B5A83F6FED}" type="datetimeFigureOut">
               <a:rPr lang="en-US" smtClean="0"/>
-              <a:t>12/3/2018</a:t>
+              <a:t>12/4/2018</a:t>
             </a:fld>
             <a:endParaRPr lang="en-US"/>
           </a:p>
@@ -3071,7 +3071,7 @@
           <a:p>
             <a:fld id="{F0B2718B-1D39-45AA-AC25-63B5A83F6FED}" type="datetimeFigureOut">
               <a:rPr lang="en-US" smtClean="0"/>
-              <a:t>12/3/2018</a:t>
+              <a:t>12/4/2018</a:t>
             </a:fld>
             <a:endParaRPr lang="en-US"/>
           </a:p>
@@ -3307,7 +3307,7 @@
           <a:p>
             <a:fld id="{F0B2718B-1D39-45AA-AC25-63B5A83F6FED}" type="datetimeFigureOut">
               <a:rPr lang="en-US" smtClean="0"/>
-              <a:t>12/3/2018</a:t>
+              <a:t>12/4/2018</a:t>
             </a:fld>
             <a:endParaRPr lang="en-US"/>
           </a:p>
@@ -3694,7 +3694,7 @@
           <a:p>
             <a:fld id="{F0B2718B-1D39-45AA-AC25-63B5A83F6FED}" type="datetimeFigureOut">
               <a:rPr lang="en-US" smtClean="0"/>
-              <a:t>12/3/2018</a:t>
+              <a:t>12/4/2018</a:t>
             </a:fld>
             <a:endParaRPr lang="en-US"/>
           </a:p>
@@ -3817,7 +3817,7 @@
           <a:p>
             <a:fld id="{F0B2718B-1D39-45AA-AC25-63B5A83F6FED}" type="datetimeFigureOut">
               <a:rPr lang="en-US" smtClean="0"/>
-              <a:t>12/3/2018</a:t>
+              <a:t>12/4/2018</a:t>
             </a:fld>
             <a:endParaRPr lang="en-US"/>
           </a:p>
@@ -3912,7 +3912,7 @@
           <a:p>
             <a:fld id="{F0B2718B-1D39-45AA-AC25-63B5A83F6FED}" type="datetimeFigureOut">
               <a:rPr lang="en-US" smtClean="0"/>
-              <a:t>12/3/2018</a:t>
+              <a:t>12/4/2018</a:t>
             </a:fld>
             <a:endParaRPr lang="en-US"/>
           </a:p>
@@ -4167,7 +4167,7 @@
           <a:p>
             <a:fld id="{F0B2718B-1D39-45AA-AC25-63B5A83F6FED}" type="datetimeFigureOut">
               <a:rPr lang="en-US" smtClean="0"/>
-              <a:t>12/3/2018</a:t>
+              <a:t>12/4/2018</a:t>
             </a:fld>
             <a:endParaRPr lang="en-US"/>
           </a:p>
@@ -4455,7 +4455,7 @@
           <a:p>
             <a:fld id="{F0B2718B-1D39-45AA-AC25-63B5A83F6FED}" type="datetimeFigureOut">
               <a:rPr lang="en-US" smtClean="0"/>
-              <a:t>12/3/2018</a:t>
+              <a:t>12/4/2018</a:t>
             </a:fld>
             <a:endParaRPr lang="en-US"/>
           </a:p>
@@ -4861,7 +4861,7 @@
           <a:p>
             <a:fld id="{F0B2718B-1D39-45AA-AC25-63B5A83F6FED}" type="datetimeFigureOut">
               <a:rPr lang="en-US" smtClean="0"/>
-              <a:t>12/3/2018</a:t>
+              <a:t>12/4/2018</a:t>
             </a:fld>
             <a:endParaRPr lang="en-US"/>
           </a:p>
@@ -5636,6 +5636,16 @@
           </a:p>
           <a:p>
             <a:r>
+              <a:rPr lang="en-US" dirty="0">
+                <a:solidFill>
+                  <a:schemeClr val="tx1"/>
+                </a:solidFill>
+              </a:rPr>
+              <a:t>Password is in MD5 form.</a:t>
+            </a:r>
+          </a:p>
+          <a:p>
+            <a:r>
               <a:rPr lang="en-US" dirty="0" err="1">
                 <a:solidFill>
                   <a:schemeClr val="tx1"/>
@@ -5715,7 +5725,7 @@
         </p:blipFill>
         <p:spPr>
           <a:xfrm>
-            <a:off x="977817" y="4445778"/>
+            <a:off x="897606" y="4707716"/>
             <a:ext cx="4895850" cy="371475"/>
           </a:xfrm>
           <a:prstGeom prst="rect">
@@ -5751,7 +5761,7 @@
         </p:blipFill>
         <p:spPr>
           <a:xfrm>
-            <a:off x="4302127" y="5100567"/>
+            <a:off x="4318170" y="5331353"/>
             <a:ext cx="5257800" cy="428625"/>
           </a:xfrm>
           <a:prstGeom prst="rect">
@@ -7052,7 +7062,7 @@
         <p:spPr>
           <a:xfrm>
             <a:off x="684212" y="2068511"/>
-            <a:ext cx="8534400" cy="3615267"/>
+            <a:ext cx="9604906" cy="3615267"/>
           </a:xfrm>
         </p:spPr>
         <p:txBody>
@@ -7081,7 +7091,7 @@
                   <a:schemeClr val="tx1"/>
                 </a:solidFill>
               </a:rPr>
-              <a:t>PHP, MySQL Server</a:t>
+              <a:t>PHP, MySQL Server.</a:t>
             </a:r>
           </a:p>
           <a:p>
@@ -7095,7 +7105,7 @@
                   <a:schemeClr val="tx1"/>
                 </a:solidFill>
               </a:rPr>
-              <a:t>Need to know how to configure the server-side</a:t>
+              <a:t>Need to know how to configure the server-side.</a:t>
             </a:r>
           </a:p>
           <a:p>
@@ -7125,7 +7135,7 @@
                   <a:schemeClr val="tx1"/>
                 </a:solidFill>
               </a:rPr>
-              <a:t>) for upload file to server</a:t>
+              <a:t>) to allow files is saved to directory on server.</a:t>
             </a:r>
           </a:p>
           <a:p>
@@ -7149,7 +7159,7 @@
                   <a:schemeClr val="tx1"/>
                 </a:solidFill>
               </a:rPr>
-              <a:t>Add email when register</a:t>
+              <a:t>Add email when register.</a:t>
             </a:r>
           </a:p>
           <a:p>
@@ -7163,21 +7173,8 @@
                   <a:schemeClr val="tx1"/>
                 </a:solidFill>
               </a:rPr>
-              <a:t>Forgot password with </a:t>
-            </a:r>
-            <a:r>
-              <a:rPr lang="en-US">
-                <a:solidFill>
-                  <a:schemeClr val="tx1"/>
-                </a:solidFill>
-              </a:rPr>
-              <a:t>email confirmation</a:t>
-            </a:r>
-            <a:endParaRPr lang="en-US" dirty="0">
-              <a:solidFill>
-                <a:schemeClr val="tx1"/>
-              </a:solidFill>
-            </a:endParaRPr>
+              <a:t>Forgot password with email confirmation.</a:t>
+            </a:r>
           </a:p>
         </p:txBody>
       </p:sp>
@@ -8095,7 +8092,7 @@
                   <a:schemeClr val="tx1"/>
                 </a:solidFill>
               </a:rPr>
-              <a:t>I know there are many Image Gallery website on the internet, but they are limited feature and you have to for it. </a:t>
+              <a:t>I know there are many Image Gallery website on the internet, but they are limited feature and you have to pay. </a:t>
             </a:r>
           </a:p>
           <a:p>
@@ -8106,6 +8103,16 @@
                 </a:solidFill>
               </a:rPr>
               <a:t>I want to create a free Image Gallery website. </a:t>
+            </a:r>
+          </a:p>
+          <a:p>
+            <a:r>
+              <a:rPr lang="en-US" dirty="0">
+                <a:solidFill>
+                  <a:schemeClr val="tx1"/>
+                </a:solidFill>
+              </a:rPr>
+              <a:t>Simple, easy to use. </a:t>
             </a:r>
           </a:p>
           <a:p>
@@ -8244,7 +8251,7 @@
               </a:lnSpc>
             </a:pPr>
             <a:r>
-              <a:rPr lang="en-US">
+              <a:rPr lang="en-US" dirty="0">
                 <a:solidFill>
                   <a:schemeClr val="tx1"/>
                 </a:solidFill>
@@ -8259,7 +8266,7 @@
               </a:lnSpc>
             </a:pPr>
             <a:r>
-              <a:rPr lang="en-US">
+              <a:rPr lang="en-US" dirty="0">
                 <a:solidFill>
                   <a:schemeClr val="tx1"/>
                 </a:solidFill>
@@ -8274,12 +8281,12 @@
               </a:lnSpc>
             </a:pPr>
             <a:r>
-              <a:rPr lang="en-US">
+              <a:rPr lang="en-US" dirty="0">
                 <a:solidFill>
                   <a:schemeClr val="tx1"/>
                 </a:solidFill>
               </a:rPr>
-              <a:t>Upload image via FTP or web interface</a:t>
+              <a:t>Upload image via web interface</a:t>
             </a:r>
           </a:p>
           <a:p>
@@ -8289,12 +8296,12 @@
               </a:lnSpc>
             </a:pPr>
             <a:r>
-              <a:rPr lang="en-US">
+              <a:rPr lang="en-US" dirty="0">
                 <a:solidFill>
                   <a:schemeClr val="tx1"/>
                 </a:solidFill>
               </a:rPr>
-              <a:t>Upload image, folder or zip file</a:t>
+              <a:t>Upload images or zip file</a:t>
             </a:r>
           </a:p>
           <a:p>
@@ -8304,7 +8311,7 @@
               </a:lnSpc>
             </a:pPr>
             <a:r>
-              <a:rPr lang="en-US">
+              <a:rPr lang="en-US" dirty="0">
                 <a:solidFill>
                   <a:schemeClr val="tx1"/>
                 </a:solidFill>
@@ -8319,7 +8326,7 @@
               </a:lnSpc>
             </a:pPr>
             <a:r>
-              <a:rPr lang="en-US">
+              <a:rPr lang="en-US" dirty="0">
                 <a:solidFill>
                   <a:schemeClr val="tx1"/>
                 </a:solidFill>
@@ -8334,7 +8341,7 @@
               </a:lnSpc>
             </a:pPr>
             <a:r>
-              <a:rPr lang="en-US">
+              <a:rPr lang="en-US" dirty="0">
                 <a:solidFill>
                   <a:schemeClr val="tx1"/>
                 </a:solidFill>
@@ -8515,11 +8522,14 @@
               </a:rPr>
               <a:t>MyQSL</a:t>
             </a:r>
-            <a:endParaRPr lang="en-US" dirty="0">
-              <a:solidFill>
-                <a:schemeClr val="tx1"/>
-              </a:solidFill>
-            </a:endParaRPr>
+            <a:r>
+              <a:rPr lang="en-US" dirty="0">
+                <a:solidFill>
+                  <a:schemeClr val="tx1"/>
+                </a:solidFill>
+              </a:rPr>
+              <a:t> database</a:t>
+            </a:r>
           </a:p>
           <a:p>
             <a:pPr marL="0" indent="0">
@@ -9105,7 +9115,7 @@
         </p:spPr>
         <p:txBody>
           <a:bodyPr>
-            <a:normAutofit/>
+            <a:normAutofit fontScale="92500" lnSpcReduction="10000"/>
           </a:bodyPr>
           <a:lstStyle/>
           <a:p>
@@ -9141,7 +9151,7 @@
                   <a:schemeClr val="tx1"/>
                 </a:solidFill>
               </a:rPr>
-              <a:t>	- Only allow to modified it’s own gallery</a:t>
+              <a:t>	- Only allow to modified it’s own gallery (rename/delete)</a:t>
             </a:r>
           </a:p>
           <a:p>
@@ -9164,7 +9174,33 @@
                   <a:schemeClr val="tx1"/>
                 </a:solidFill>
               </a:rPr>
-              <a:t>	- Full access. Can create/edit/delete any pictures from all user.</a:t>
+              <a:t>	- Full access.</a:t>
+            </a:r>
+          </a:p>
+          <a:p>
+            <a:pPr marL="0" indent="0">
+              <a:buNone/>
+            </a:pPr>
+            <a:r>
+              <a:rPr lang="en-US" dirty="0">
+                <a:solidFill>
+                  <a:schemeClr val="tx1"/>
+                </a:solidFill>
+              </a:rPr>
+              <a:t>	- Can rename/delete any pictures from all user.</a:t>
+            </a:r>
+          </a:p>
+          <a:p>
+            <a:pPr marL="0" indent="0">
+              <a:buNone/>
+            </a:pPr>
+            <a:r>
+              <a:rPr lang="en-US" dirty="0">
+                <a:solidFill>
+                  <a:schemeClr val="tx1"/>
+                </a:solidFill>
+              </a:rPr>
+              <a:t>	- Can create album in member gallery.</a:t>
             </a:r>
           </a:p>
           <a:p>
@@ -9207,7 +9243,7 @@
         </p:blipFill>
         <p:spPr>
           <a:xfrm>
-            <a:off x="815513" y="3938337"/>
+            <a:off x="751345" y="4078574"/>
             <a:ext cx="9238917" cy="2294182"/>
           </a:xfrm>
           <a:prstGeom prst="rect">

--- a/Final-Powerpoint/Final.pptx
+++ b/Final-Powerpoint/Final.pptx
@@ -11,14 +11,15 @@
     <p:sldId id="259" r:id="rId5"/>
     <p:sldId id="260" r:id="rId6"/>
     <p:sldId id="261" r:id="rId7"/>
-    <p:sldId id="262" r:id="rId8"/>
-    <p:sldId id="263" r:id="rId9"/>
+    <p:sldId id="266" r:id="rId8"/>
+    <p:sldId id="262" r:id="rId9"/>
     <p:sldId id="264" r:id="rId10"/>
-    <p:sldId id="265" r:id="rId11"/>
-    <p:sldId id="266" r:id="rId12"/>
+    <p:sldId id="263" r:id="rId11"/>
+    <p:sldId id="265" r:id="rId12"/>
     <p:sldId id="268" r:id="rId13"/>
-    <p:sldId id="267" r:id="rId14"/>
-    <p:sldId id="269" r:id="rId15"/>
+    <p:sldId id="270" r:id="rId14"/>
+    <p:sldId id="267" r:id="rId15"/>
+    <p:sldId id="269" r:id="rId16"/>
   </p:sldIdLst>
   <p:sldSz cx="12192000" cy="6858000"/>
   <p:notesSz cx="6858000" cy="9144000"/>
@@ -5557,6 +5558,259 @@
           <p:cNvPr id="2" name="Title 1">
             <a:extLst>
               <a:ext uri="{FF2B5EF4-FFF2-40B4-BE49-F238E27FC236}">
+                <a16:creationId xmlns:a16="http://schemas.microsoft.com/office/drawing/2014/main" id="{E4BF4F8E-7ADF-4BDD-8C35-527561751EBC}"/>
+              </a:ext>
+            </a:extLst>
+          </p:cNvPr>
+          <p:cNvSpPr>
+            <a:spLocks noGrp="1"/>
+          </p:cNvSpPr>
+          <p:nvPr>
+            <p:ph type="title"/>
+          </p:nvPr>
+        </p:nvSpPr>
+        <p:spPr>
+          <a:xfrm>
+            <a:off x="684212" y="485244"/>
+            <a:ext cx="8534400" cy="1507067"/>
+          </a:xfrm>
+        </p:spPr>
+        <p:txBody>
+          <a:bodyPr>
+            <a:normAutofit/>
+          </a:bodyPr>
+          <a:lstStyle/>
+          <a:p>
+            <a:r>
+              <a:rPr lang="en-US" dirty="0"/>
+              <a:t>Drag &amp; Drop multi files upload</a:t>
+            </a:r>
+          </a:p>
+        </p:txBody>
+      </p:sp>
+      <p:sp>
+        <p:nvSpPr>
+          <p:cNvPr id="3" name="Content Placeholder 2">
+            <a:extLst>
+              <a:ext uri="{FF2B5EF4-FFF2-40B4-BE49-F238E27FC236}">
+                <a16:creationId xmlns:a16="http://schemas.microsoft.com/office/drawing/2014/main" id="{D2645D03-888C-4E39-8323-069FCF536572}"/>
+              </a:ext>
+            </a:extLst>
+          </p:cNvPr>
+          <p:cNvSpPr>
+            <a:spLocks noGrp="1"/>
+          </p:cNvSpPr>
+          <p:nvPr>
+            <p:ph idx="1"/>
+          </p:nvPr>
+        </p:nvSpPr>
+        <p:spPr>
+          <a:xfrm>
+            <a:off x="684212" y="1621366"/>
+            <a:ext cx="9336866" cy="3615267"/>
+          </a:xfrm>
+        </p:spPr>
+        <p:txBody>
+          <a:bodyPr>
+            <a:normAutofit/>
+          </a:bodyPr>
+          <a:lstStyle/>
+          <a:p>
+            <a:r>
+              <a:rPr lang="en-US" dirty="0">
+                <a:solidFill>
+                  <a:schemeClr val="tx1"/>
+                </a:solidFill>
+              </a:rPr>
+              <a:t>Auto resize</a:t>
+            </a:r>
+          </a:p>
+          <a:p>
+            <a:pPr marL="0" indent="0">
+              <a:buNone/>
+            </a:pPr>
+            <a:r>
+              <a:rPr lang="en-US" dirty="0">
+                <a:solidFill>
+                  <a:schemeClr val="tx1"/>
+                </a:solidFill>
+              </a:rPr>
+              <a:t>	- Auto resize the image to width 1024 to save the space on server.</a:t>
+            </a:r>
+          </a:p>
+          <a:p>
+            <a:r>
+              <a:rPr lang="en-US" dirty="0">
+                <a:solidFill>
+                  <a:schemeClr val="tx1"/>
+                </a:solidFill>
+              </a:rPr>
+              <a:t>Use </a:t>
+            </a:r>
+            <a:r>
+              <a:rPr lang="en-US" dirty="0" err="1">
+                <a:solidFill>
+                  <a:schemeClr val="tx1"/>
+                </a:solidFill>
+              </a:rPr>
+              <a:t>DropzoneJS</a:t>
+            </a:r>
+            <a:r>
+              <a:rPr lang="en-US" dirty="0">
+                <a:solidFill>
+                  <a:schemeClr val="tx1"/>
+                </a:solidFill>
+              </a:rPr>
+              <a:t> library</a:t>
+            </a:r>
+          </a:p>
+          <a:p>
+            <a:pPr marL="0" indent="0">
+              <a:buNone/>
+            </a:pPr>
+            <a:r>
+              <a:rPr lang="en-US" dirty="0">
+                <a:solidFill>
+                  <a:schemeClr val="tx1"/>
+                </a:solidFill>
+              </a:rPr>
+              <a:t>	- Allow to </a:t>
+            </a:r>
+            <a:r>
+              <a:rPr lang="en-US" dirty="0" err="1">
+                <a:solidFill>
+                  <a:schemeClr val="tx1"/>
+                </a:solidFill>
+              </a:rPr>
+              <a:t>drap’n’drop</a:t>
+            </a:r>
+            <a:r>
+              <a:rPr lang="en-US" dirty="0">
+                <a:solidFill>
+                  <a:schemeClr val="tx1"/>
+                </a:solidFill>
+              </a:rPr>
+              <a:t> file uploads with image previews.</a:t>
+            </a:r>
+          </a:p>
+          <a:p>
+            <a:pPr marL="0" indent="0">
+              <a:buNone/>
+            </a:pPr>
+            <a:endParaRPr lang="en-US" dirty="0">
+              <a:solidFill>
+                <a:schemeClr val="tx1"/>
+              </a:solidFill>
+            </a:endParaRPr>
+          </a:p>
+          <a:p>
+            <a:pPr marL="0" indent="0">
+              <a:buNone/>
+            </a:pPr>
+            <a:endParaRPr lang="en-US" dirty="0">
+              <a:solidFill>
+                <a:schemeClr val="tx1"/>
+              </a:solidFill>
+            </a:endParaRPr>
+          </a:p>
+        </p:txBody>
+      </p:sp>
+      <p:pic>
+        <p:nvPicPr>
+          <p:cNvPr id="14" name="Picture 13">
+            <a:extLst>
+              <a:ext uri="{FF2B5EF4-FFF2-40B4-BE49-F238E27FC236}">
+                <a16:creationId xmlns:a16="http://schemas.microsoft.com/office/drawing/2014/main" id="{9327E8D0-5229-4D65-9426-577635019D29}"/>
+              </a:ext>
+            </a:extLst>
+          </p:cNvPr>
+          <p:cNvPicPr>
+            <a:picLocks noChangeAspect="1"/>
+          </p:cNvPicPr>
+          <p:nvPr/>
+        </p:nvPicPr>
+        <p:blipFill>
+          <a:blip r:embed="rId2">
+            <a:extLst>
+              <a:ext uri="{28A0092B-C50C-407E-A947-70E740481C1C}">
+                <a14:useLocalDpi xmlns:a14="http://schemas.microsoft.com/office/drawing/2010/main" val="0"/>
+              </a:ext>
+            </a:extLst>
+          </a:blip>
+          <a:stretch>
+            <a:fillRect/>
+          </a:stretch>
+        </p:blipFill>
+        <p:spPr>
+          <a:xfrm>
+            <a:off x="1231802" y="4093047"/>
+            <a:ext cx="7439219" cy="1958867"/>
+          </a:xfrm>
+          <a:prstGeom prst="rect">
+            <a:avLst/>
+          </a:prstGeom>
+        </p:spPr>
+      </p:pic>
+    </p:spTree>
+    <p:extLst>
+      <p:ext uri="{BB962C8B-B14F-4D97-AF65-F5344CB8AC3E}">
+        <p14:creationId xmlns:p14="http://schemas.microsoft.com/office/powerpoint/2010/main" val="2158784106"/>
+      </p:ext>
+    </p:extLst>
+  </p:cSld>
+  <p:clrMapOvr>
+    <a:masterClrMapping/>
+  </p:clrMapOvr>
+</p:sld>
+</file>
+
+<file path=ppt/slides/slide11.xml><?xml version="1.0" encoding="utf-8"?>
+<p:sld xmlns:a="http://schemas.openxmlformats.org/drawingml/2006/main" xmlns:r="http://schemas.openxmlformats.org/officeDocument/2006/relationships" xmlns:p="http://schemas.openxmlformats.org/presentationml/2006/main">
+  <p:cSld>
+    <p:bg>
+      <p:bgPr>
+        <a:gradFill rotWithShape="1">
+          <a:gsLst>
+            <a:gs pos="10000">
+              <a:schemeClr val="bg1">
+                <a:tint val="97000"/>
+                <a:hueMod val="92000"/>
+                <a:satMod val="169000"/>
+                <a:lumMod val="164000"/>
+              </a:schemeClr>
+            </a:gs>
+            <a:gs pos="100000">
+              <a:schemeClr val="bg1">
+                <a:shade val="96000"/>
+                <a:satMod val="120000"/>
+                <a:lumMod val="90000"/>
+              </a:schemeClr>
+            </a:gs>
+          </a:gsLst>
+          <a:lin ang="6120000" scaled="1"/>
+        </a:gradFill>
+        <a:effectLst/>
+      </p:bgPr>
+    </p:bg>
+    <p:spTree>
+      <p:nvGrpSpPr>
+        <p:cNvPr id="1" name=""/>
+        <p:cNvGrpSpPr/>
+        <p:nvPr/>
+      </p:nvGrpSpPr>
+      <p:grpSpPr>
+        <a:xfrm>
+          <a:off x="0" y="0"/>
+          <a:ext cx="0" cy="0"/>
+          <a:chOff x="0" y="0"/>
+          <a:chExt cx="0" cy="0"/>
+        </a:xfrm>
+      </p:grpSpPr>
+      <p:sp>
+        <p:nvSpPr>
+          <p:cNvPr id="2" name="Title 1">
+            <a:extLst>
+              <a:ext uri="{FF2B5EF4-FFF2-40B4-BE49-F238E27FC236}">
                 <a16:creationId xmlns:a16="http://schemas.microsoft.com/office/drawing/2014/main" id="{E1E0C807-17B7-4896-AA84-D2B4C27E005D}"/>
               </a:ext>
             </a:extLst>
@@ -5782,568 +6036,6 @@
 </p:sld>
 </file>
 
-<file path=ppt/slides/slide11.xml><?xml version="1.0" encoding="utf-8"?>
-<p:sld xmlns:a="http://schemas.openxmlformats.org/drawingml/2006/main" xmlns:r="http://schemas.openxmlformats.org/officeDocument/2006/relationships" xmlns:p="http://schemas.openxmlformats.org/presentationml/2006/main">
-  <p:cSld>
-    <p:bg>
-      <p:bgPr>
-        <a:gradFill rotWithShape="1">
-          <a:gsLst>
-            <a:gs pos="10000">
-              <a:schemeClr val="bg1">
-                <a:tint val="97000"/>
-                <a:hueMod val="92000"/>
-                <a:satMod val="169000"/>
-                <a:lumMod val="164000"/>
-              </a:schemeClr>
-            </a:gs>
-            <a:gs pos="100000">
-              <a:schemeClr val="bg1">
-                <a:shade val="96000"/>
-                <a:satMod val="120000"/>
-                <a:lumMod val="90000"/>
-              </a:schemeClr>
-            </a:gs>
-          </a:gsLst>
-          <a:lin ang="6120000" scaled="1"/>
-        </a:gradFill>
-        <a:effectLst/>
-      </p:bgPr>
-    </p:bg>
-    <p:spTree>
-      <p:nvGrpSpPr>
-        <p:cNvPr id="1" name=""/>
-        <p:cNvGrpSpPr/>
-        <p:nvPr/>
-      </p:nvGrpSpPr>
-      <p:grpSpPr>
-        <a:xfrm>
-          <a:off x="0" y="0"/>
-          <a:ext cx="0" cy="0"/>
-          <a:chOff x="0" y="0"/>
-          <a:chExt cx="0" cy="0"/>
-        </a:xfrm>
-      </p:grpSpPr>
-      <p:sp useBgFill="1">
-        <p:nvSpPr>
-          <p:cNvPr id="8" name="Rectangle 7">
-            <a:extLst>
-              <a:ext uri="{FF2B5EF4-FFF2-40B4-BE49-F238E27FC236}">
-                <a16:creationId xmlns:a16="http://schemas.microsoft.com/office/drawing/2014/main" id="{CADF2543-1B6F-4FBC-A7AF-53A0430E05AB}"/>
-              </a:ext>
-              <a:ext uri="{C183D7F6-B498-43B3-948B-1728B52AA6E4}">
-                <adec:decorative xmlns:adec="http://schemas.microsoft.com/office/drawing/2017/decorative" val="1"/>
-              </a:ext>
-            </a:extLst>
-          </p:cNvPr>
-          <p:cNvSpPr>
-            <a:spLocks noGrp="1" noRot="1" noChangeAspect="1" noMove="1" noResize="1" noEditPoints="1" noAdjustHandles="1" noChangeArrowheads="1" noChangeShapeType="1" noTextEdit="1"/>
-          </p:cNvSpPr>
-          <p:nvPr>
-            <p:extLst>
-              <p:ext uri="{386F3935-93C4-4BCD-93E2-E3B085C9AB24}">
-                <p16:designElem xmlns:p16="http://schemas.microsoft.com/office/powerpoint/2015/main" val="1"/>
-              </p:ext>
-            </p:extLst>
-          </p:nvPr>
-        </p:nvSpPr>
-        <p:spPr>
-          <a:xfrm>
-            <a:off x="0" y="0"/>
-            <a:ext cx="12192000" cy="6858000"/>
-          </a:xfrm>
-          <a:prstGeom prst="rect">
-            <a:avLst/>
-          </a:prstGeom>
-          <a:ln>
-            <a:noFill/>
-          </a:ln>
-        </p:spPr>
-        <p:style>
-          <a:lnRef idx="2">
-            <a:schemeClr val="accent1">
-              <a:shade val="50000"/>
-            </a:schemeClr>
-          </a:lnRef>
-          <a:fillRef idx="1">
-            <a:schemeClr val="accent1"/>
-          </a:fillRef>
-          <a:effectRef idx="0">
-            <a:schemeClr val="accent1"/>
-          </a:effectRef>
-          <a:fontRef idx="minor">
-            <a:schemeClr val="lt1"/>
-          </a:fontRef>
-        </p:style>
-        <p:txBody>
-          <a:bodyPr rtlCol="0" anchor="ctr"/>
-          <a:lstStyle/>
-          <a:p>
-            <a:pPr algn="ctr"/>
-            <a:endParaRPr lang="en-US"/>
-          </a:p>
-        </p:txBody>
-      </p:sp>
-      <p:sp>
-        <p:nvSpPr>
-          <p:cNvPr id="2" name="Title 1">
-            <a:extLst>
-              <a:ext uri="{FF2B5EF4-FFF2-40B4-BE49-F238E27FC236}">
-                <a16:creationId xmlns:a16="http://schemas.microsoft.com/office/drawing/2014/main" id="{74FA70C2-1D05-41FD-B3ED-3C5F4EEE5C33}"/>
-              </a:ext>
-            </a:extLst>
-          </p:cNvPr>
-          <p:cNvSpPr>
-            <a:spLocks noGrp="1"/>
-          </p:cNvSpPr>
-          <p:nvPr>
-            <p:ph type="title"/>
-          </p:nvPr>
-        </p:nvSpPr>
-        <p:spPr>
-          <a:xfrm>
-            <a:off x="684212" y="485244"/>
-            <a:ext cx="8534400" cy="1507067"/>
-          </a:xfrm>
-        </p:spPr>
-        <p:txBody>
-          <a:bodyPr>
-            <a:normAutofit/>
-          </a:bodyPr>
-          <a:lstStyle/>
-          <a:p>
-            <a:r>
-              <a:rPr lang="en-US" dirty="0"/>
-              <a:t>User Control panel</a:t>
-            </a:r>
-          </a:p>
-        </p:txBody>
-      </p:sp>
-      <p:sp>
-        <p:nvSpPr>
-          <p:cNvPr id="3" name="Content Placeholder 2">
-            <a:extLst>
-              <a:ext uri="{FF2B5EF4-FFF2-40B4-BE49-F238E27FC236}">
-                <a16:creationId xmlns:a16="http://schemas.microsoft.com/office/drawing/2014/main" id="{EC006632-CC26-47EE-82FB-556EEC842E9F}"/>
-              </a:ext>
-            </a:extLst>
-          </p:cNvPr>
-          <p:cNvSpPr>
-            <a:spLocks noGrp="1"/>
-          </p:cNvSpPr>
-          <p:nvPr>
-            <p:ph idx="1"/>
-          </p:nvPr>
-        </p:nvSpPr>
-        <p:spPr>
-          <a:xfrm>
-            <a:off x="684212" y="2068511"/>
-            <a:ext cx="8534400" cy="3615267"/>
-          </a:xfrm>
-        </p:spPr>
-        <p:txBody>
-          <a:bodyPr>
-            <a:normAutofit/>
-          </a:bodyPr>
-          <a:lstStyle/>
-          <a:p>
-            <a:r>
-              <a:rPr lang="en-US" dirty="0">
-                <a:solidFill>
-                  <a:schemeClr val="tx1"/>
-                </a:solidFill>
-              </a:rPr>
-              <a:t>Using Bootstrap to display images</a:t>
-            </a:r>
-          </a:p>
-          <a:p>
-            <a:r>
-              <a:rPr lang="en-US" dirty="0">
-                <a:solidFill>
-                  <a:schemeClr val="tx1"/>
-                </a:solidFill>
-              </a:rPr>
-              <a:t>Create/Delete Albums</a:t>
-            </a:r>
-          </a:p>
-          <a:p>
-            <a:r>
-              <a:rPr lang="en-US" dirty="0">
-                <a:solidFill>
-                  <a:schemeClr val="tx1"/>
-                </a:solidFill>
-              </a:rPr>
-              <a:t>Move images to albums</a:t>
-            </a:r>
-          </a:p>
-          <a:p>
-            <a:r>
-              <a:rPr lang="en-US" dirty="0">
-                <a:solidFill>
-                  <a:schemeClr val="tx1"/>
-                </a:solidFill>
-              </a:rPr>
-              <a:t>Delete Photos</a:t>
-            </a:r>
-          </a:p>
-          <a:p>
-            <a:r>
-              <a:rPr lang="en-US" dirty="0">
-                <a:solidFill>
-                  <a:schemeClr val="tx1"/>
-                </a:solidFill>
-              </a:rPr>
-              <a:t>Verify admin and user</a:t>
-            </a:r>
-          </a:p>
-        </p:txBody>
-      </p:sp>
-      <p:grpSp>
-        <p:nvGrpSpPr>
-          <p:cNvPr id="10" name="Group 9">
-            <a:extLst>
-              <a:ext uri="{FF2B5EF4-FFF2-40B4-BE49-F238E27FC236}">
-                <a16:creationId xmlns:a16="http://schemas.microsoft.com/office/drawing/2014/main" id="{A80A6E81-6B71-43DF-877B-E964A9A4CB68}"/>
-              </a:ext>
-              <a:ext uri="{C183D7F6-B498-43B3-948B-1728B52AA6E4}">
-                <adec:decorative xmlns:adec="http://schemas.microsoft.com/office/drawing/2017/decorative" val="1"/>
-              </a:ext>
-            </a:extLst>
-          </p:cNvPr>
-          <p:cNvGrpSpPr>
-            <a:grpSpLocks noGrp="1" noUngrp="1" noRot="1" noChangeAspect="1" noMove="1" noResize="1"/>
-          </p:cNvGrpSpPr>
-          <p:nvPr>
-            <p:extLst>
-              <p:ext uri="{386F3935-93C4-4BCD-93E2-E3B085C9AB24}">
-                <p16:designElem xmlns:p16="http://schemas.microsoft.com/office/powerpoint/2015/main" val="1"/>
-              </p:ext>
-            </p:extLst>
-          </p:nvPr>
-        </p:nvGrpSpPr>
-        <p:grpSpPr>
-          <a:xfrm>
-            <a:off x="9206969" y="2963333"/>
-            <a:ext cx="2981858" cy="3208867"/>
-            <a:chOff x="9206969" y="2963333"/>
-            <a:chExt cx="2981858" cy="3208867"/>
-          </a:xfrm>
-        </p:grpSpPr>
-        <p:cxnSp>
-          <p:nvCxnSpPr>
-            <p:cNvPr id="11" name="Straight Connector 10">
-              <a:extLst>
-                <a:ext uri="{FF2B5EF4-FFF2-40B4-BE49-F238E27FC236}">
-                  <a16:creationId xmlns:a16="http://schemas.microsoft.com/office/drawing/2014/main" id="{4E35C3AD-357F-4004-A3F3-2D4EAF34A63D}"/>
-                </a:ext>
-                <a:ext uri="{C183D7F6-B498-43B3-948B-1728B52AA6E4}">
-                  <adec:decorative xmlns:adec="http://schemas.microsoft.com/office/drawing/2017/decorative" val="1"/>
-                </a:ext>
-              </a:extLst>
-            </p:cNvPr>
-            <p:cNvCxnSpPr/>
-            <p:nvPr>
-              <p:extLst>
-                <p:ext uri="{386F3935-93C4-4BCD-93E2-E3B085C9AB24}">
-                  <p16:designElem xmlns:p16="http://schemas.microsoft.com/office/powerpoint/2015/main" val="1"/>
-                </p:ext>
-              </p:extLst>
-            </p:nvPr>
-          </p:nvCxnSpPr>
-          <p:spPr>
-            <a:xfrm flipH="1">
-              <a:off x="11276012" y="2963333"/>
-              <a:ext cx="912814" cy="912812"/>
-            </a:xfrm>
-            <a:prstGeom prst="line">
-              <a:avLst/>
-            </a:prstGeom>
-            <a:ln w="9525">
-              <a:solidFill>
-                <a:schemeClr val="tx2">
-                  <a:lumMod val="75000"/>
-                  <a:alpha val="80000"/>
-                </a:schemeClr>
-              </a:solidFill>
-            </a:ln>
-          </p:spPr>
-          <p:style>
-            <a:lnRef idx="2">
-              <a:schemeClr val="accent1"/>
-            </a:lnRef>
-            <a:fillRef idx="0">
-              <a:schemeClr val="accent1"/>
-            </a:fillRef>
-            <a:effectRef idx="1">
-              <a:schemeClr val="accent1"/>
-            </a:effectRef>
-            <a:fontRef idx="minor">
-              <a:schemeClr val="tx1"/>
-            </a:fontRef>
-          </p:style>
-        </p:cxnSp>
-        <p:cxnSp>
-          <p:nvCxnSpPr>
-            <p:cNvPr id="12" name="Straight Connector 11">
-              <a:extLst>
-                <a:ext uri="{FF2B5EF4-FFF2-40B4-BE49-F238E27FC236}">
-                  <a16:creationId xmlns:a16="http://schemas.microsoft.com/office/drawing/2014/main" id="{337B6032-0A70-4F26-A9A3-B4D60DF11818}"/>
-                </a:ext>
-                <a:ext uri="{C183D7F6-B498-43B3-948B-1728B52AA6E4}">
-                  <adec:decorative xmlns:adec="http://schemas.microsoft.com/office/drawing/2017/decorative" val="1"/>
-                </a:ext>
-              </a:extLst>
-            </p:cNvPr>
-            <p:cNvCxnSpPr/>
-            <p:nvPr>
-              <p:extLst>
-                <p:ext uri="{386F3935-93C4-4BCD-93E2-E3B085C9AB24}">
-                  <p16:designElem xmlns:p16="http://schemas.microsoft.com/office/powerpoint/2015/main" val="1"/>
-                </p:ext>
-              </p:extLst>
-            </p:nvPr>
-          </p:nvCxnSpPr>
-          <p:spPr>
-            <a:xfrm flipH="1">
-              <a:off x="9206969" y="3190344"/>
-              <a:ext cx="2981857" cy="2981856"/>
-            </a:xfrm>
-            <a:prstGeom prst="line">
-              <a:avLst/>
-            </a:prstGeom>
-            <a:ln w="9525">
-              <a:solidFill>
-                <a:schemeClr val="tx2">
-                  <a:lumMod val="75000"/>
-                  <a:alpha val="80000"/>
-                </a:schemeClr>
-              </a:solidFill>
-            </a:ln>
-          </p:spPr>
-          <p:style>
-            <a:lnRef idx="2">
-              <a:schemeClr val="accent1"/>
-            </a:lnRef>
-            <a:fillRef idx="0">
-              <a:schemeClr val="accent1"/>
-            </a:fillRef>
-            <a:effectRef idx="1">
-              <a:schemeClr val="accent1"/>
-            </a:effectRef>
-            <a:fontRef idx="minor">
-              <a:schemeClr val="tx1"/>
-            </a:fontRef>
-          </p:style>
-        </p:cxnSp>
-        <p:cxnSp>
-          <p:nvCxnSpPr>
-            <p:cNvPr id="13" name="Straight Connector 12">
-              <a:extLst>
-                <a:ext uri="{FF2B5EF4-FFF2-40B4-BE49-F238E27FC236}">
-                  <a16:creationId xmlns:a16="http://schemas.microsoft.com/office/drawing/2014/main" id="{DE192CE3-3DD1-448F-93BE-42983DA0D5A9}"/>
-                </a:ext>
-                <a:ext uri="{C183D7F6-B498-43B3-948B-1728B52AA6E4}">
-                  <adec:decorative xmlns:adec="http://schemas.microsoft.com/office/drawing/2017/decorative" val="1"/>
-                </a:ext>
-              </a:extLst>
-            </p:cNvPr>
-            <p:cNvCxnSpPr/>
-            <p:nvPr>
-              <p:extLst>
-                <p:ext uri="{386F3935-93C4-4BCD-93E2-E3B085C9AB24}">
-                  <p16:designElem xmlns:p16="http://schemas.microsoft.com/office/powerpoint/2015/main" val="1"/>
-                </p:ext>
-              </p:extLst>
-            </p:nvPr>
-          </p:nvCxnSpPr>
-          <p:spPr>
-            <a:xfrm flipH="1">
-              <a:off x="10292292" y="3285067"/>
-              <a:ext cx="1896534" cy="1896533"/>
-            </a:xfrm>
-            <a:prstGeom prst="line">
-              <a:avLst/>
-            </a:prstGeom>
-            <a:ln w="9525">
-              <a:solidFill>
-                <a:schemeClr val="tx2">
-                  <a:lumMod val="75000"/>
-                  <a:alpha val="80000"/>
-                </a:schemeClr>
-              </a:solidFill>
-            </a:ln>
-          </p:spPr>
-          <p:style>
-            <a:lnRef idx="2">
-              <a:schemeClr val="accent1"/>
-            </a:lnRef>
-            <a:fillRef idx="0">
-              <a:schemeClr val="accent1"/>
-            </a:fillRef>
-            <a:effectRef idx="1">
-              <a:schemeClr val="accent1"/>
-            </a:effectRef>
-            <a:fontRef idx="minor">
-              <a:schemeClr val="tx1"/>
-            </a:fontRef>
-          </p:style>
-        </p:cxnSp>
-        <p:cxnSp>
-          <p:nvCxnSpPr>
-            <p:cNvPr id="14" name="Straight Connector 13">
-              <a:extLst>
-                <a:ext uri="{FF2B5EF4-FFF2-40B4-BE49-F238E27FC236}">
-                  <a16:creationId xmlns:a16="http://schemas.microsoft.com/office/drawing/2014/main" id="{E6D3DA09-5C72-4562-BEDE-1937DF87E81D}"/>
-                </a:ext>
-                <a:ext uri="{C183D7F6-B498-43B3-948B-1728B52AA6E4}">
-                  <adec:decorative xmlns:adec="http://schemas.microsoft.com/office/drawing/2017/decorative" val="1"/>
-                </a:ext>
-              </a:extLst>
-            </p:cNvPr>
-            <p:cNvCxnSpPr/>
-            <p:nvPr>
-              <p:extLst>
-                <p:ext uri="{386F3935-93C4-4BCD-93E2-E3B085C9AB24}">
-                  <p16:designElem xmlns:p16="http://schemas.microsoft.com/office/powerpoint/2015/main" val="1"/>
-                </p:ext>
-              </p:extLst>
-            </p:nvPr>
-          </p:nvCxnSpPr>
-          <p:spPr>
-            <a:xfrm flipH="1">
-              <a:off x="10443103" y="3131080"/>
-              <a:ext cx="1745722" cy="1745720"/>
-            </a:xfrm>
-            <a:prstGeom prst="line">
-              <a:avLst/>
-            </a:prstGeom>
-            <a:ln w="28575">
-              <a:solidFill>
-                <a:schemeClr val="tx2">
-                  <a:lumMod val="75000"/>
-                  <a:alpha val="80000"/>
-                </a:schemeClr>
-              </a:solidFill>
-            </a:ln>
-          </p:spPr>
-          <p:style>
-            <a:lnRef idx="2">
-              <a:schemeClr val="accent1"/>
-            </a:lnRef>
-            <a:fillRef idx="0">
-              <a:schemeClr val="accent1"/>
-            </a:fillRef>
-            <a:effectRef idx="1">
-              <a:schemeClr val="accent1"/>
-            </a:effectRef>
-            <a:fontRef idx="minor">
-              <a:schemeClr val="tx1"/>
-            </a:fontRef>
-          </p:style>
-        </p:cxnSp>
-        <p:cxnSp>
-          <p:nvCxnSpPr>
-            <p:cNvPr id="15" name="Straight Connector 14">
-              <a:extLst>
-                <a:ext uri="{FF2B5EF4-FFF2-40B4-BE49-F238E27FC236}">
-                  <a16:creationId xmlns:a16="http://schemas.microsoft.com/office/drawing/2014/main" id="{D6ACA7CA-2A20-49D7-9053-E076463D79A3}"/>
-                </a:ext>
-                <a:ext uri="{C183D7F6-B498-43B3-948B-1728B52AA6E4}">
-                  <adec:decorative xmlns:adec="http://schemas.microsoft.com/office/drawing/2017/decorative" val="1"/>
-                </a:ext>
-              </a:extLst>
-            </p:cNvPr>
-            <p:cNvCxnSpPr/>
-            <p:nvPr>
-              <p:extLst>
-                <p:ext uri="{386F3935-93C4-4BCD-93E2-E3B085C9AB24}">
-                  <p16:designElem xmlns:p16="http://schemas.microsoft.com/office/powerpoint/2015/main" val="1"/>
-                </p:ext>
-              </p:extLst>
-            </p:nvPr>
-          </p:nvCxnSpPr>
-          <p:spPr>
-            <a:xfrm flipH="1">
-              <a:off x="10918826" y="3683001"/>
-              <a:ext cx="1270001" cy="1269999"/>
-            </a:xfrm>
-            <a:prstGeom prst="line">
-              <a:avLst/>
-            </a:prstGeom>
-            <a:ln w="28575">
-              <a:solidFill>
-                <a:schemeClr val="tx2">
-                  <a:lumMod val="75000"/>
-                  <a:alpha val="80000"/>
-                </a:schemeClr>
-              </a:solidFill>
-            </a:ln>
-          </p:spPr>
-          <p:style>
-            <a:lnRef idx="2">
-              <a:schemeClr val="accent1"/>
-            </a:lnRef>
-            <a:fillRef idx="0">
-              <a:schemeClr val="accent1"/>
-            </a:fillRef>
-            <a:effectRef idx="1">
-              <a:schemeClr val="accent1"/>
-            </a:effectRef>
-            <a:fontRef idx="minor">
-              <a:schemeClr val="tx1"/>
-            </a:fontRef>
-          </p:style>
-        </p:cxnSp>
-      </p:grpSp>
-      <p:pic>
-        <p:nvPicPr>
-          <p:cNvPr id="9" name="Picture 8">
-            <a:extLst>
-              <a:ext uri="{FF2B5EF4-FFF2-40B4-BE49-F238E27FC236}">
-                <a16:creationId xmlns:a16="http://schemas.microsoft.com/office/drawing/2014/main" id="{48D87171-9D2F-47AE-BE4D-14C597806F17}"/>
-              </a:ext>
-            </a:extLst>
-          </p:cNvPr>
-          <p:cNvPicPr>
-            <a:picLocks noChangeAspect="1"/>
-          </p:cNvPicPr>
-          <p:nvPr/>
-        </p:nvPicPr>
-        <p:blipFill>
-          <a:blip r:embed="rId2">
-            <a:extLst>
-              <a:ext uri="{28A0092B-C50C-407E-A947-70E740481C1C}">
-                <a14:useLocalDpi xmlns:a14="http://schemas.microsoft.com/office/drawing/2010/main" val="0"/>
-              </a:ext>
-            </a:extLst>
-          </a:blip>
-          <a:stretch>
-            <a:fillRect/>
-          </a:stretch>
-        </p:blipFill>
-        <p:spPr>
-          <a:xfrm>
-            <a:off x="6292944" y="859547"/>
-            <a:ext cx="4074753" cy="5312653"/>
-          </a:xfrm>
-          <a:prstGeom prst="rect">
-            <a:avLst/>
-          </a:prstGeom>
-        </p:spPr>
-      </p:pic>
-    </p:spTree>
-    <p:extLst>
-      <p:ext uri="{BB962C8B-B14F-4D97-AF65-F5344CB8AC3E}">
-        <p14:creationId xmlns:p14="http://schemas.microsoft.com/office/powerpoint/2010/main" val="2547197270"/>
-      </p:ext>
-    </p:extLst>
-  </p:cSld>
-  <p:clrMapOvr>
-    <a:masterClrMapping/>
-  </p:clrMapOvr>
-</p:sld>
-</file>
-
 <file path=ppt/slides/slide12.xml><?xml version="1.0" encoding="utf-8"?>
 <p:sld xmlns:a="http://schemas.openxmlformats.org/drawingml/2006/main" xmlns:r="http://schemas.openxmlformats.org/officeDocument/2006/relationships" xmlns:p="http://schemas.openxmlformats.org/presentationml/2006/main">
   <p:cSld>
@@ -6386,66 +6078,6 @@
           <a:chExt cx="0" cy="0"/>
         </a:xfrm>
       </p:grpSpPr>
-      <p:sp useBgFill="1">
-        <p:nvSpPr>
-          <p:cNvPr id="8" name="Rectangle 7">
-            <a:extLst>
-              <a:ext uri="{FF2B5EF4-FFF2-40B4-BE49-F238E27FC236}">
-                <a16:creationId xmlns:a16="http://schemas.microsoft.com/office/drawing/2014/main" id="{CADF2543-1B6F-4FBC-A7AF-53A0430E05AB}"/>
-              </a:ext>
-              <a:ext uri="{C183D7F6-B498-43B3-948B-1728B52AA6E4}">
-                <adec:decorative xmlns:adec="http://schemas.microsoft.com/office/drawing/2017/decorative" val="1"/>
-              </a:ext>
-            </a:extLst>
-          </p:cNvPr>
-          <p:cNvSpPr>
-            <a:spLocks noGrp="1" noRot="1" noChangeAspect="1" noMove="1" noResize="1" noEditPoints="1" noAdjustHandles="1" noChangeArrowheads="1" noChangeShapeType="1" noTextEdit="1"/>
-          </p:cNvSpPr>
-          <p:nvPr>
-            <p:extLst>
-              <p:ext uri="{386F3935-93C4-4BCD-93E2-E3B085C9AB24}">
-                <p16:designElem xmlns:p16="http://schemas.microsoft.com/office/powerpoint/2015/main" val="1"/>
-              </p:ext>
-            </p:extLst>
-          </p:nvPr>
-        </p:nvSpPr>
-        <p:spPr>
-          <a:xfrm>
-            <a:off x="0" y="0"/>
-            <a:ext cx="12192000" cy="6858000"/>
-          </a:xfrm>
-          <a:prstGeom prst="rect">
-            <a:avLst/>
-          </a:prstGeom>
-          <a:ln>
-            <a:noFill/>
-          </a:ln>
-        </p:spPr>
-        <p:style>
-          <a:lnRef idx="2">
-            <a:schemeClr val="accent1">
-              <a:shade val="50000"/>
-            </a:schemeClr>
-          </a:lnRef>
-          <a:fillRef idx="1">
-            <a:schemeClr val="accent1"/>
-          </a:fillRef>
-          <a:effectRef idx="0">
-            <a:schemeClr val="accent1"/>
-          </a:effectRef>
-          <a:fontRef idx="minor">
-            <a:schemeClr val="lt1"/>
-          </a:fontRef>
-        </p:style>
-        <p:txBody>
-          <a:bodyPr rtlCol="0" anchor="ctr"/>
-          <a:lstStyle/>
-          <a:p>
-            <a:pPr algn="ctr"/>
-            <a:endParaRPr lang="en-US"/>
-          </a:p>
-        </p:txBody>
-      </p:sp>
       <p:sp>
         <p:nvSpPr>
           <p:cNvPr id="2" name="Title 1">
@@ -6560,303 +6192,6 @@
           </a:p>
         </p:txBody>
       </p:sp>
-      <p:grpSp>
-        <p:nvGrpSpPr>
-          <p:cNvPr id="10" name="Group 9">
-            <a:extLst>
-              <a:ext uri="{FF2B5EF4-FFF2-40B4-BE49-F238E27FC236}">
-                <a16:creationId xmlns:a16="http://schemas.microsoft.com/office/drawing/2014/main" id="{A80A6E81-6B71-43DF-877B-E964A9A4CB68}"/>
-              </a:ext>
-              <a:ext uri="{C183D7F6-B498-43B3-948B-1728B52AA6E4}">
-                <adec:decorative xmlns:adec="http://schemas.microsoft.com/office/drawing/2017/decorative" val="1"/>
-              </a:ext>
-            </a:extLst>
-          </p:cNvPr>
-          <p:cNvGrpSpPr>
-            <a:grpSpLocks noGrp="1" noUngrp="1" noRot="1" noChangeAspect="1" noMove="1" noResize="1"/>
-          </p:cNvGrpSpPr>
-          <p:nvPr>
-            <p:extLst>
-              <p:ext uri="{386F3935-93C4-4BCD-93E2-E3B085C9AB24}">
-                <p16:designElem xmlns:p16="http://schemas.microsoft.com/office/powerpoint/2015/main" val="1"/>
-              </p:ext>
-            </p:extLst>
-          </p:nvPr>
-        </p:nvGrpSpPr>
-        <p:grpSpPr>
-          <a:xfrm>
-            <a:off x="9206969" y="2963333"/>
-            <a:ext cx="2981858" cy="3208867"/>
-            <a:chOff x="9206969" y="2963333"/>
-            <a:chExt cx="2981858" cy="3208867"/>
-          </a:xfrm>
-        </p:grpSpPr>
-        <p:cxnSp>
-          <p:nvCxnSpPr>
-            <p:cNvPr id="11" name="Straight Connector 10">
-              <a:extLst>
-                <a:ext uri="{FF2B5EF4-FFF2-40B4-BE49-F238E27FC236}">
-                  <a16:creationId xmlns:a16="http://schemas.microsoft.com/office/drawing/2014/main" id="{4E35C3AD-357F-4004-A3F3-2D4EAF34A63D}"/>
-                </a:ext>
-                <a:ext uri="{C183D7F6-B498-43B3-948B-1728B52AA6E4}">
-                  <adec:decorative xmlns:adec="http://schemas.microsoft.com/office/drawing/2017/decorative" val="1"/>
-                </a:ext>
-              </a:extLst>
-            </p:cNvPr>
-            <p:cNvCxnSpPr/>
-            <p:nvPr>
-              <p:extLst>
-                <p:ext uri="{386F3935-93C4-4BCD-93E2-E3B085C9AB24}">
-                  <p16:designElem xmlns:p16="http://schemas.microsoft.com/office/powerpoint/2015/main" val="1"/>
-                </p:ext>
-              </p:extLst>
-            </p:nvPr>
-          </p:nvCxnSpPr>
-          <p:spPr>
-            <a:xfrm flipH="1">
-              <a:off x="11276012" y="2963333"/>
-              <a:ext cx="912814" cy="912812"/>
-            </a:xfrm>
-            <a:prstGeom prst="line">
-              <a:avLst/>
-            </a:prstGeom>
-            <a:ln w="9525">
-              <a:solidFill>
-                <a:schemeClr val="tx2">
-                  <a:lumMod val="75000"/>
-                  <a:alpha val="80000"/>
-                </a:schemeClr>
-              </a:solidFill>
-            </a:ln>
-          </p:spPr>
-          <p:style>
-            <a:lnRef idx="2">
-              <a:schemeClr val="accent1"/>
-            </a:lnRef>
-            <a:fillRef idx="0">
-              <a:schemeClr val="accent1"/>
-            </a:fillRef>
-            <a:effectRef idx="1">
-              <a:schemeClr val="accent1"/>
-            </a:effectRef>
-            <a:fontRef idx="minor">
-              <a:schemeClr val="tx1"/>
-            </a:fontRef>
-          </p:style>
-        </p:cxnSp>
-        <p:cxnSp>
-          <p:nvCxnSpPr>
-            <p:cNvPr id="12" name="Straight Connector 11">
-              <a:extLst>
-                <a:ext uri="{FF2B5EF4-FFF2-40B4-BE49-F238E27FC236}">
-                  <a16:creationId xmlns:a16="http://schemas.microsoft.com/office/drawing/2014/main" id="{337B6032-0A70-4F26-A9A3-B4D60DF11818}"/>
-                </a:ext>
-                <a:ext uri="{C183D7F6-B498-43B3-948B-1728B52AA6E4}">
-                  <adec:decorative xmlns:adec="http://schemas.microsoft.com/office/drawing/2017/decorative" val="1"/>
-                </a:ext>
-              </a:extLst>
-            </p:cNvPr>
-            <p:cNvCxnSpPr/>
-            <p:nvPr>
-              <p:extLst>
-                <p:ext uri="{386F3935-93C4-4BCD-93E2-E3B085C9AB24}">
-                  <p16:designElem xmlns:p16="http://schemas.microsoft.com/office/powerpoint/2015/main" val="1"/>
-                </p:ext>
-              </p:extLst>
-            </p:nvPr>
-          </p:nvCxnSpPr>
-          <p:spPr>
-            <a:xfrm flipH="1">
-              <a:off x="9206969" y="3190344"/>
-              <a:ext cx="2981857" cy="2981856"/>
-            </a:xfrm>
-            <a:prstGeom prst="line">
-              <a:avLst/>
-            </a:prstGeom>
-            <a:ln w="9525">
-              <a:solidFill>
-                <a:schemeClr val="tx2">
-                  <a:lumMod val="75000"/>
-                  <a:alpha val="80000"/>
-                </a:schemeClr>
-              </a:solidFill>
-            </a:ln>
-          </p:spPr>
-          <p:style>
-            <a:lnRef idx="2">
-              <a:schemeClr val="accent1"/>
-            </a:lnRef>
-            <a:fillRef idx="0">
-              <a:schemeClr val="accent1"/>
-            </a:fillRef>
-            <a:effectRef idx="1">
-              <a:schemeClr val="accent1"/>
-            </a:effectRef>
-            <a:fontRef idx="minor">
-              <a:schemeClr val="tx1"/>
-            </a:fontRef>
-          </p:style>
-        </p:cxnSp>
-        <p:cxnSp>
-          <p:nvCxnSpPr>
-            <p:cNvPr id="13" name="Straight Connector 12">
-              <a:extLst>
-                <a:ext uri="{FF2B5EF4-FFF2-40B4-BE49-F238E27FC236}">
-                  <a16:creationId xmlns:a16="http://schemas.microsoft.com/office/drawing/2014/main" id="{DE192CE3-3DD1-448F-93BE-42983DA0D5A9}"/>
-                </a:ext>
-                <a:ext uri="{C183D7F6-B498-43B3-948B-1728B52AA6E4}">
-                  <adec:decorative xmlns:adec="http://schemas.microsoft.com/office/drawing/2017/decorative" val="1"/>
-                </a:ext>
-              </a:extLst>
-            </p:cNvPr>
-            <p:cNvCxnSpPr/>
-            <p:nvPr>
-              <p:extLst>
-                <p:ext uri="{386F3935-93C4-4BCD-93E2-E3B085C9AB24}">
-                  <p16:designElem xmlns:p16="http://schemas.microsoft.com/office/powerpoint/2015/main" val="1"/>
-                </p:ext>
-              </p:extLst>
-            </p:nvPr>
-          </p:nvCxnSpPr>
-          <p:spPr>
-            <a:xfrm flipH="1">
-              <a:off x="10292292" y="3285067"/>
-              <a:ext cx="1896534" cy="1896533"/>
-            </a:xfrm>
-            <a:prstGeom prst="line">
-              <a:avLst/>
-            </a:prstGeom>
-            <a:ln w="9525">
-              <a:solidFill>
-                <a:schemeClr val="tx2">
-                  <a:lumMod val="75000"/>
-                  <a:alpha val="80000"/>
-                </a:schemeClr>
-              </a:solidFill>
-            </a:ln>
-          </p:spPr>
-          <p:style>
-            <a:lnRef idx="2">
-              <a:schemeClr val="accent1"/>
-            </a:lnRef>
-            <a:fillRef idx="0">
-              <a:schemeClr val="accent1"/>
-            </a:fillRef>
-            <a:effectRef idx="1">
-              <a:schemeClr val="accent1"/>
-            </a:effectRef>
-            <a:fontRef idx="minor">
-              <a:schemeClr val="tx1"/>
-            </a:fontRef>
-          </p:style>
-        </p:cxnSp>
-        <p:cxnSp>
-          <p:nvCxnSpPr>
-            <p:cNvPr id="14" name="Straight Connector 13">
-              <a:extLst>
-                <a:ext uri="{FF2B5EF4-FFF2-40B4-BE49-F238E27FC236}">
-                  <a16:creationId xmlns:a16="http://schemas.microsoft.com/office/drawing/2014/main" id="{E6D3DA09-5C72-4562-BEDE-1937DF87E81D}"/>
-                </a:ext>
-                <a:ext uri="{C183D7F6-B498-43B3-948B-1728B52AA6E4}">
-                  <adec:decorative xmlns:adec="http://schemas.microsoft.com/office/drawing/2017/decorative" val="1"/>
-                </a:ext>
-              </a:extLst>
-            </p:cNvPr>
-            <p:cNvCxnSpPr/>
-            <p:nvPr>
-              <p:extLst>
-                <p:ext uri="{386F3935-93C4-4BCD-93E2-E3B085C9AB24}">
-                  <p16:designElem xmlns:p16="http://schemas.microsoft.com/office/powerpoint/2015/main" val="1"/>
-                </p:ext>
-              </p:extLst>
-            </p:nvPr>
-          </p:nvCxnSpPr>
-          <p:spPr>
-            <a:xfrm flipH="1">
-              <a:off x="10443103" y="3131080"/>
-              <a:ext cx="1745722" cy="1745720"/>
-            </a:xfrm>
-            <a:prstGeom prst="line">
-              <a:avLst/>
-            </a:prstGeom>
-            <a:ln w="28575">
-              <a:solidFill>
-                <a:schemeClr val="tx2">
-                  <a:lumMod val="75000"/>
-                  <a:alpha val="80000"/>
-                </a:schemeClr>
-              </a:solidFill>
-            </a:ln>
-          </p:spPr>
-          <p:style>
-            <a:lnRef idx="2">
-              <a:schemeClr val="accent1"/>
-            </a:lnRef>
-            <a:fillRef idx="0">
-              <a:schemeClr val="accent1"/>
-            </a:fillRef>
-            <a:effectRef idx="1">
-              <a:schemeClr val="accent1"/>
-            </a:effectRef>
-            <a:fontRef idx="minor">
-              <a:schemeClr val="tx1"/>
-            </a:fontRef>
-          </p:style>
-        </p:cxnSp>
-        <p:cxnSp>
-          <p:nvCxnSpPr>
-            <p:cNvPr id="15" name="Straight Connector 14">
-              <a:extLst>
-                <a:ext uri="{FF2B5EF4-FFF2-40B4-BE49-F238E27FC236}">
-                  <a16:creationId xmlns:a16="http://schemas.microsoft.com/office/drawing/2014/main" id="{D6ACA7CA-2A20-49D7-9053-E076463D79A3}"/>
-                </a:ext>
-                <a:ext uri="{C183D7F6-B498-43B3-948B-1728B52AA6E4}">
-                  <adec:decorative xmlns:adec="http://schemas.microsoft.com/office/drawing/2017/decorative" val="1"/>
-                </a:ext>
-              </a:extLst>
-            </p:cNvPr>
-            <p:cNvCxnSpPr/>
-            <p:nvPr>
-              <p:extLst>
-                <p:ext uri="{386F3935-93C4-4BCD-93E2-E3B085C9AB24}">
-                  <p16:designElem xmlns:p16="http://schemas.microsoft.com/office/powerpoint/2015/main" val="1"/>
-                </p:ext>
-              </p:extLst>
-            </p:nvPr>
-          </p:nvCxnSpPr>
-          <p:spPr>
-            <a:xfrm flipH="1">
-              <a:off x="10918826" y="3683001"/>
-              <a:ext cx="1270001" cy="1269999"/>
-            </a:xfrm>
-            <a:prstGeom prst="line">
-              <a:avLst/>
-            </a:prstGeom>
-            <a:ln w="28575">
-              <a:solidFill>
-                <a:schemeClr val="tx2">
-                  <a:lumMod val="75000"/>
-                  <a:alpha val="80000"/>
-                </a:schemeClr>
-              </a:solidFill>
-            </a:ln>
-          </p:spPr>
-          <p:style>
-            <a:lnRef idx="2">
-              <a:schemeClr val="accent1"/>
-            </a:lnRef>
-            <a:fillRef idx="0">
-              <a:schemeClr val="accent1"/>
-            </a:fillRef>
-            <a:effectRef idx="1">
-              <a:schemeClr val="accent1"/>
-            </a:effectRef>
-            <a:fontRef idx="minor">
-              <a:schemeClr val="tx1"/>
-            </a:fontRef>
-          </p:style>
-        </p:cxnSp>
-      </p:grpSp>
       <p:pic>
         <p:nvPicPr>
           <p:cNvPr id="5" name="Picture 4">
@@ -6885,8 +6220,8 @@
         </p:blipFill>
         <p:spPr>
           <a:xfrm>
-            <a:off x="4069670" y="1628967"/>
-            <a:ext cx="6535889" cy="4419428"/>
+            <a:off x="4061650" y="915093"/>
+            <a:ext cx="7626452" cy="5156843"/>
           </a:xfrm>
           <a:prstGeom prst="rect">
             <a:avLst/>
@@ -7038,7 +6373,7 @@
           <a:p>
             <a:r>
               <a:rPr lang="en-US" dirty="0"/>
-              <a:t>Summary and future Update</a:t>
+              <a:t>DEMO</a:t>
             </a:r>
           </a:p>
         </p:txBody>
@@ -7062,7 +6397,7 @@
         <p:spPr>
           <a:xfrm>
             <a:off x="684212" y="2068511"/>
-            <a:ext cx="9604906" cy="3615267"/>
+            <a:ext cx="8534400" cy="3615267"/>
           </a:xfrm>
         </p:spPr>
         <p:txBody>
@@ -7076,105 +6411,21 @@
                 <a:solidFill>
                   <a:schemeClr val="tx1"/>
                 </a:solidFill>
+                <a:hlinkClick r:id="rId2">
+                  <a:extLst>
+                    <a:ext uri="{A12FA001-AC4F-418D-AE19-62706E023703}">
+                      <ahyp:hlinkClr xmlns:ahyp="http://schemas.microsoft.com/office/drawing/2018/hyperlinkcolor" val="tx"/>
+                    </a:ext>
+                  </a:extLst>
+                </a:hlinkClick>
               </a:rPr>
-              <a:t>What I have learned</a:t>
-            </a:r>
-          </a:p>
-          <a:p>
-            <a:pPr lvl="1">
-              <a:buFontTx/>
-              <a:buChar char="-"/>
-            </a:pPr>
-            <a:r>
-              <a:rPr lang="en-US" dirty="0">
-                <a:solidFill>
-                  <a:schemeClr val="tx1"/>
-                </a:solidFill>
-              </a:rPr>
-              <a:t>PHP, MySQL Server.</a:t>
-            </a:r>
-          </a:p>
-          <a:p>
-            <a:pPr lvl="1">
-              <a:buFontTx/>
-              <a:buChar char="-"/>
-            </a:pPr>
-            <a:r>
-              <a:rPr lang="en-US" dirty="0">
-                <a:solidFill>
-                  <a:schemeClr val="tx1"/>
-                </a:solidFill>
-              </a:rPr>
-              <a:t>Need to know how to configure the server-side.</a:t>
-            </a:r>
-          </a:p>
-          <a:p>
-            <a:pPr lvl="1">
-              <a:buFontTx/>
-              <a:buChar char="-"/>
-            </a:pPr>
-            <a:r>
-              <a:rPr lang="en-US" dirty="0">
-                <a:solidFill>
-                  <a:schemeClr val="tx1"/>
-                </a:solidFill>
-              </a:rPr>
-              <a:t>Set access permission (</a:t>
-            </a:r>
-            <a:r>
-              <a:rPr lang="en-US" dirty="0" err="1">
-                <a:solidFill>
-                  <a:schemeClr val="tx1"/>
-                </a:solidFill>
-              </a:rPr>
-              <a:t>chmod</a:t>
-            </a:r>
-            <a:r>
-              <a:rPr lang="en-US" dirty="0">
-                <a:solidFill>
-                  <a:schemeClr val="tx1"/>
-                </a:solidFill>
-              </a:rPr>
-              <a:t>) to allow files is saved to directory on server.</a:t>
-            </a:r>
-          </a:p>
-          <a:p>
-            <a:r>
-              <a:rPr lang="en-US" dirty="0">
-                <a:solidFill>
-                  <a:schemeClr val="tx1"/>
-                </a:solidFill>
-              </a:rPr>
-              <a:t>Future Update</a:t>
-            </a:r>
-          </a:p>
-          <a:p>
-            <a:pPr lvl="1">
-              <a:buFontTx/>
-              <a:buChar char="-"/>
-            </a:pPr>
-            <a:r>
-              <a:rPr lang="en-US" dirty="0">
-                <a:solidFill>
-                  <a:schemeClr val="tx1"/>
-                </a:solidFill>
-              </a:rPr>
-              <a:t>Add email when register.</a:t>
-            </a:r>
-          </a:p>
-          <a:p>
-            <a:pPr lvl="1">
-              <a:buFontTx/>
-              <a:buChar char="-"/>
-            </a:pPr>
-            <a:r>
-              <a:rPr lang="en-US" dirty="0">
-                <a:solidFill>
-                  <a:schemeClr val="tx1"/>
-                </a:solidFill>
-              </a:rPr>
-              <a:t>Forgot password with email confirmation.</a:t>
-            </a:r>
+              <a:t>http://weblab.cs.uml.edu/~cvu/COMP5130/Week-12/root/</a:t>
+            </a:r>
+            <a:endParaRPr lang="en-US" dirty="0">
+              <a:solidFill>
+                <a:schemeClr val="tx1"/>
+              </a:solidFill>
+            </a:endParaRPr>
           </a:p>
         </p:txBody>
       </p:sp>
@@ -7478,7 +6729,7 @@
     </p:spTree>
     <p:extLst>
       <p:ext uri="{BB962C8B-B14F-4D97-AF65-F5344CB8AC3E}">
-        <p14:creationId xmlns:p14="http://schemas.microsoft.com/office/powerpoint/2010/main" val="1036685247"/>
+        <p14:creationId xmlns:p14="http://schemas.microsoft.com/office/powerpoint/2010/main" val="526997967"/>
       </p:ext>
     </p:extLst>
   </p:cSld>
@@ -7530,66 +6781,6 @@
           <a:chExt cx="0" cy="0"/>
         </a:xfrm>
       </p:grpSpPr>
-      <p:sp useBgFill="1">
-        <p:nvSpPr>
-          <p:cNvPr id="8" name="Rectangle 7">
-            <a:extLst>
-              <a:ext uri="{FF2B5EF4-FFF2-40B4-BE49-F238E27FC236}">
-                <a16:creationId xmlns:a16="http://schemas.microsoft.com/office/drawing/2014/main" id="{CADF2543-1B6F-4FBC-A7AF-53A0430E05AB}"/>
-              </a:ext>
-              <a:ext uri="{C183D7F6-B498-43B3-948B-1728B52AA6E4}">
-                <adec:decorative xmlns:adec="http://schemas.microsoft.com/office/drawing/2017/decorative" val="1"/>
-              </a:ext>
-            </a:extLst>
-          </p:cNvPr>
-          <p:cNvSpPr>
-            <a:spLocks noGrp="1" noRot="1" noChangeAspect="1" noMove="1" noResize="1" noEditPoints="1" noAdjustHandles="1" noChangeArrowheads="1" noChangeShapeType="1" noTextEdit="1"/>
-          </p:cNvSpPr>
-          <p:nvPr>
-            <p:extLst>
-              <p:ext uri="{386F3935-93C4-4BCD-93E2-E3B085C9AB24}">
-                <p16:designElem xmlns:p16="http://schemas.microsoft.com/office/powerpoint/2015/main" val="1"/>
-              </p:ext>
-            </p:extLst>
-          </p:nvPr>
-        </p:nvSpPr>
-        <p:spPr>
-          <a:xfrm>
-            <a:off x="0" y="0"/>
-            <a:ext cx="12192000" cy="6858000"/>
-          </a:xfrm>
-          <a:prstGeom prst="rect">
-            <a:avLst/>
-          </a:prstGeom>
-          <a:ln>
-            <a:noFill/>
-          </a:ln>
-        </p:spPr>
-        <p:style>
-          <a:lnRef idx="2">
-            <a:schemeClr val="accent1">
-              <a:shade val="50000"/>
-            </a:schemeClr>
-          </a:lnRef>
-          <a:fillRef idx="1">
-            <a:schemeClr val="accent1"/>
-          </a:fillRef>
-          <a:effectRef idx="0">
-            <a:schemeClr val="accent1"/>
-          </a:effectRef>
-          <a:fontRef idx="minor">
-            <a:schemeClr val="lt1"/>
-          </a:fontRef>
-        </p:style>
-        <p:txBody>
-          <a:bodyPr rtlCol="0" anchor="ctr"/>
-          <a:lstStyle/>
-          <a:p>
-            <a:pPr algn="ctr"/>
-            <a:endParaRPr lang="en-US"/>
-          </a:p>
-        </p:txBody>
-      </p:sp>
       <p:sp>
         <p:nvSpPr>
           <p:cNvPr id="2" name="Title 1">
@@ -7620,7 +6811,7 @@
           <a:p>
             <a:r>
               <a:rPr lang="en-US" dirty="0"/>
-              <a:t>Question?</a:t>
+              <a:t>Summary and future Update</a:t>
             </a:r>
           </a:p>
         </p:txBody>
@@ -7644,6 +6835,231 @@
         <p:spPr>
           <a:xfrm>
             <a:off x="684212" y="2068511"/>
+            <a:ext cx="9604906" cy="4083636"/>
+          </a:xfrm>
+        </p:spPr>
+        <p:txBody>
+          <a:bodyPr>
+            <a:normAutofit/>
+          </a:bodyPr>
+          <a:lstStyle/>
+          <a:p>
+            <a:r>
+              <a:rPr lang="en-US" dirty="0">
+                <a:solidFill>
+                  <a:schemeClr val="tx1"/>
+                </a:solidFill>
+              </a:rPr>
+              <a:t>What I have learned</a:t>
+            </a:r>
+          </a:p>
+          <a:p>
+            <a:pPr lvl="1">
+              <a:buFontTx/>
+              <a:buChar char="-"/>
+            </a:pPr>
+            <a:r>
+              <a:rPr lang="en-US" dirty="0">
+                <a:solidFill>
+                  <a:schemeClr val="tx1"/>
+                </a:solidFill>
+              </a:rPr>
+              <a:t>PHP, MySQL Server.</a:t>
+            </a:r>
+          </a:p>
+          <a:p>
+            <a:pPr lvl="1">
+              <a:buFontTx/>
+              <a:buChar char="-"/>
+            </a:pPr>
+            <a:r>
+              <a:rPr lang="en-US" dirty="0">
+                <a:solidFill>
+                  <a:schemeClr val="tx1"/>
+                </a:solidFill>
+              </a:rPr>
+              <a:t>Need to know how to configure the server-side.</a:t>
+            </a:r>
+          </a:p>
+          <a:p>
+            <a:pPr lvl="1">
+              <a:buFontTx/>
+              <a:buChar char="-"/>
+            </a:pPr>
+            <a:r>
+              <a:rPr lang="en-US" dirty="0">
+                <a:solidFill>
+                  <a:schemeClr val="tx1"/>
+                </a:solidFill>
+              </a:rPr>
+              <a:t>Set access permission (</a:t>
+            </a:r>
+            <a:r>
+              <a:rPr lang="en-US" dirty="0" err="1">
+                <a:solidFill>
+                  <a:schemeClr val="tx1"/>
+                </a:solidFill>
+              </a:rPr>
+              <a:t>chmod</a:t>
+            </a:r>
+            <a:r>
+              <a:rPr lang="en-US" dirty="0">
+                <a:solidFill>
+                  <a:schemeClr val="tx1"/>
+                </a:solidFill>
+              </a:rPr>
+              <a:t>) to allow files is saved to directory on server.</a:t>
+            </a:r>
+          </a:p>
+          <a:p>
+            <a:r>
+              <a:rPr lang="en-US" dirty="0">
+                <a:solidFill>
+                  <a:schemeClr val="tx1"/>
+                </a:solidFill>
+              </a:rPr>
+              <a:t>Future Update</a:t>
+            </a:r>
+          </a:p>
+          <a:p>
+            <a:pPr lvl="1">
+              <a:buFontTx/>
+              <a:buChar char="-"/>
+            </a:pPr>
+            <a:r>
+              <a:rPr lang="en-US" dirty="0">
+                <a:solidFill>
+                  <a:schemeClr val="tx1"/>
+                </a:solidFill>
+              </a:rPr>
+              <a:t>Add email when register.</a:t>
+            </a:r>
+          </a:p>
+          <a:p>
+            <a:pPr lvl="1">
+              <a:buFontTx/>
+              <a:buChar char="-"/>
+            </a:pPr>
+            <a:r>
+              <a:rPr lang="en-US" dirty="0">
+                <a:solidFill>
+                  <a:schemeClr val="tx1"/>
+                </a:solidFill>
+              </a:rPr>
+              <a:t>Forgot password with email confirmation.</a:t>
+            </a:r>
+          </a:p>
+        </p:txBody>
+      </p:sp>
+    </p:spTree>
+    <p:extLst>
+      <p:ext uri="{BB962C8B-B14F-4D97-AF65-F5344CB8AC3E}">
+        <p14:creationId xmlns:p14="http://schemas.microsoft.com/office/powerpoint/2010/main" val="1036685247"/>
+      </p:ext>
+    </p:extLst>
+  </p:cSld>
+  <p:clrMapOvr>
+    <a:masterClrMapping/>
+  </p:clrMapOvr>
+</p:sld>
+</file>
+
+<file path=ppt/slides/slide15.xml><?xml version="1.0" encoding="utf-8"?>
+<p:sld xmlns:a="http://schemas.openxmlformats.org/drawingml/2006/main" xmlns:r="http://schemas.openxmlformats.org/officeDocument/2006/relationships" xmlns:p="http://schemas.openxmlformats.org/presentationml/2006/main">
+  <p:cSld>
+    <p:bg>
+      <p:bgPr>
+        <a:gradFill rotWithShape="1">
+          <a:gsLst>
+            <a:gs pos="10000">
+              <a:schemeClr val="bg1">
+                <a:tint val="97000"/>
+                <a:hueMod val="92000"/>
+                <a:satMod val="169000"/>
+                <a:lumMod val="164000"/>
+              </a:schemeClr>
+            </a:gs>
+            <a:gs pos="100000">
+              <a:schemeClr val="bg1">
+                <a:shade val="96000"/>
+                <a:satMod val="120000"/>
+                <a:lumMod val="90000"/>
+              </a:schemeClr>
+            </a:gs>
+          </a:gsLst>
+          <a:lin ang="6120000" scaled="1"/>
+        </a:gradFill>
+        <a:effectLst/>
+      </p:bgPr>
+    </p:bg>
+    <p:spTree>
+      <p:nvGrpSpPr>
+        <p:cNvPr id="1" name=""/>
+        <p:cNvGrpSpPr/>
+        <p:nvPr/>
+      </p:nvGrpSpPr>
+      <p:grpSpPr>
+        <a:xfrm>
+          <a:off x="0" y="0"/>
+          <a:ext cx="0" cy="0"/>
+          <a:chOff x="0" y="0"/>
+          <a:chExt cx="0" cy="0"/>
+        </a:xfrm>
+      </p:grpSpPr>
+      <p:sp>
+        <p:nvSpPr>
+          <p:cNvPr id="2" name="Title 1">
+            <a:extLst>
+              <a:ext uri="{FF2B5EF4-FFF2-40B4-BE49-F238E27FC236}">
+                <a16:creationId xmlns:a16="http://schemas.microsoft.com/office/drawing/2014/main" id="{74FA70C2-1D05-41FD-B3ED-3C5F4EEE5C33}"/>
+              </a:ext>
+            </a:extLst>
+          </p:cNvPr>
+          <p:cNvSpPr>
+            <a:spLocks noGrp="1"/>
+          </p:cNvSpPr>
+          <p:nvPr>
+            <p:ph type="title"/>
+          </p:nvPr>
+        </p:nvSpPr>
+        <p:spPr>
+          <a:xfrm>
+            <a:off x="684212" y="485244"/>
+            <a:ext cx="8534400" cy="1507067"/>
+          </a:xfrm>
+        </p:spPr>
+        <p:txBody>
+          <a:bodyPr>
+            <a:normAutofit/>
+          </a:bodyPr>
+          <a:lstStyle/>
+          <a:p>
+            <a:r>
+              <a:rPr lang="en-US" dirty="0"/>
+              <a:t>Question?</a:t>
+            </a:r>
+          </a:p>
+        </p:txBody>
+      </p:sp>
+      <p:sp>
+        <p:nvSpPr>
+          <p:cNvPr id="3" name="Content Placeholder 2">
+            <a:extLst>
+              <a:ext uri="{FF2B5EF4-FFF2-40B4-BE49-F238E27FC236}">
+                <a16:creationId xmlns:a16="http://schemas.microsoft.com/office/drawing/2014/main" id="{EC006632-CC26-47EE-82FB-556EEC842E9F}"/>
+              </a:ext>
+            </a:extLst>
+          </p:cNvPr>
+          <p:cNvSpPr>
+            <a:spLocks noGrp="1"/>
+          </p:cNvSpPr>
+          <p:nvPr>
+            <p:ph idx="1"/>
+          </p:nvPr>
+        </p:nvSpPr>
+        <p:spPr>
+          <a:xfrm>
+            <a:off x="684212" y="2068511"/>
             <a:ext cx="8534400" cy="3615267"/>
           </a:xfrm>
         </p:spPr>
@@ -7661,303 +7077,6 @@
           </a:p>
         </p:txBody>
       </p:sp>
-      <p:grpSp>
-        <p:nvGrpSpPr>
-          <p:cNvPr id="10" name="Group 9">
-            <a:extLst>
-              <a:ext uri="{FF2B5EF4-FFF2-40B4-BE49-F238E27FC236}">
-                <a16:creationId xmlns:a16="http://schemas.microsoft.com/office/drawing/2014/main" id="{A80A6E81-6B71-43DF-877B-E964A9A4CB68}"/>
-              </a:ext>
-              <a:ext uri="{C183D7F6-B498-43B3-948B-1728B52AA6E4}">
-                <adec:decorative xmlns:adec="http://schemas.microsoft.com/office/drawing/2017/decorative" val="1"/>
-              </a:ext>
-            </a:extLst>
-          </p:cNvPr>
-          <p:cNvGrpSpPr>
-            <a:grpSpLocks noGrp="1" noUngrp="1" noRot="1" noChangeAspect="1" noMove="1" noResize="1"/>
-          </p:cNvGrpSpPr>
-          <p:nvPr>
-            <p:extLst>
-              <p:ext uri="{386F3935-93C4-4BCD-93E2-E3B085C9AB24}">
-                <p16:designElem xmlns:p16="http://schemas.microsoft.com/office/powerpoint/2015/main" val="1"/>
-              </p:ext>
-            </p:extLst>
-          </p:nvPr>
-        </p:nvGrpSpPr>
-        <p:grpSpPr>
-          <a:xfrm>
-            <a:off x="9206969" y="2963333"/>
-            <a:ext cx="2981858" cy="3208867"/>
-            <a:chOff x="9206969" y="2963333"/>
-            <a:chExt cx="2981858" cy="3208867"/>
-          </a:xfrm>
-        </p:grpSpPr>
-        <p:cxnSp>
-          <p:nvCxnSpPr>
-            <p:cNvPr id="11" name="Straight Connector 10">
-              <a:extLst>
-                <a:ext uri="{FF2B5EF4-FFF2-40B4-BE49-F238E27FC236}">
-                  <a16:creationId xmlns:a16="http://schemas.microsoft.com/office/drawing/2014/main" id="{4E35C3AD-357F-4004-A3F3-2D4EAF34A63D}"/>
-                </a:ext>
-                <a:ext uri="{C183D7F6-B498-43B3-948B-1728B52AA6E4}">
-                  <adec:decorative xmlns:adec="http://schemas.microsoft.com/office/drawing/2017/decorative" val="1"/>
-                </a:ext>
-              </a:extLst>
-            </p:cNvPr>
-            <p:cNvCxnSpPr/>
-            <p:nvPr>
-              <p:extLst>
-                <p:ext uri="{386F3935-93C4-4BCD-93E2-E3B085C9AB24}">
-                  <p16:designElem xmlns:p16="http://schemas.microsoft.com/office/powerpoint/2015/main" val="1"/>
-                </p:ext>
-              </p:extLst>
-            </p:nvPr>
-          </p:nvCxnSpPr>
-          <p:spPr>
-            <a:xfrm flipH="1">
-              <a:off x="11276012" y="2963333"/>
-              <a:ext cx="912814" cy="912812"/>
-            </a:xfrm>
-            <a:prstGeom prst="line">
-              <a:avLst/>
-            </a:prstGeom>
-            <a:ln w="9525">
-              <a:solidFill>
-                <a:schemeClr val="tx2">
-                  <a:lumMod val="75000"/>
-                  <a:alpha val="80000"/>
-                </a:schemeClr>
-              </a:solidFill>
-            </a:ln>
-          </p:spPr>
-          <p:style>
-            <a:lnRef idx="2">
-              <a:schemeClr val="accent1"/>
-            </a:lnRef>
-            <a:fillRef idx="0">
-              <a:schemeClr val="accent1"/>
-            </a:fillRef>
-            <a:effectRef idx="1">
-              <a:schemeClr val="accent1"/>
-            </a:effectRef>
-            <a:fontRef idx="minor">
-              <a:schemeClr val="tx1"/>
-            </a:fontRef>
-          </p:style>
-        </p:cxnSp>
-        <p:cxnSp>
-          <p:nvCxnSpPr>
-            <p:cNvPr id="12" name="Straight Connector 11">
-              <a:extLst>
-                <a:ext uri="{FF2B5EF4-FFF2-40B4-BE49-F238E27FC236}">
-                  <a16:creationId xmlns:a16="http://schemas.microsoft.com/office/drawing/2014/main" id="{337B6032-0A70-4F26-A9A3-B4D60DF11818}"/>
-                </a:ext>
-                <a:ext uri="{C183D7F6-B498-43B3-948B-1728B52AA6E4}">
-                  <adec:decorative xmlns:adec="http://schemas.microsoft.com/office/drawing/2017/decorative" val="1"/>
-                </a:ext>
-              </a:extLst>
-            </p:cNvPr>
-            <p:cNvCxnSpPr/>
-            <p:nvPr>
-              <p:extLst>
-                <p:ext uri="{386F3935-93C4-4BCD-93E2-E3B085C9AB24}">
-                  <p16:designElem xmlns:p16="http://schemas.microsoft.com/office/powerpoint/2015/main" val="1"/>
-                </p:ext>
-              </p:extLst>
-            </p:nvPr>
-          </p:nvCxnSpPr>
-          <p:spPr>
-            <a:xfrm flipH="1">
-              <a:off x="9206969" y="3190344"/>
-              <a:ext cx="2981857" cy="2981856"/>
-            </a:xfrm>
-            <a:prstGeom prst="line">
-              <a:avLst/>
-            </a:prstGeom>
-            <a:ln w="9525">
-              <a:solidFill>
-                <a:schemeClr val="tx2">
-                  <a:lumMod val="75000"/>
-                  <a:alpha val="80000"/>
-                </a:schemeClr>
-              </a:solidFill>
-            </a:ln>
-          </p:spPr>
-          <p:style>
-            <a:lnRef idx="2">
-              <a:schemeClr val="accent1"/>
-            </a:lnRef>
-            <a:fillRef idx="0">
-              <a:schemeClr val="accent1"/>
-            </a:fillRef>
-            <a:effectRef idx="1">
-              <a:schemeClr val="accent1"/>
-            </a:effectRef>
-            <a:fontRef idx="minor">
-              <a:schemeClr val="tx1"/>
-            </a:fontRef>
-          </p:style>
-        </p:cxnSp>
-        <p:cxnSp>
-          <p:nvCxnSpPr>
-            <p:cNvPr id="13" name="Straight Connector 12">
-              <a:extLst>
-                <a:ext uri="{FF2B5EF4-FFF2-40B4-BE49-F238E27FC236}">
-                  <a16:creationId xmlns:a16="http://schemas.microsoft.com/office/drawing/2014/main" id="{DE192CE3-3DD1-448F-93BE-42983DA0D5A9}"/>
-                </a:ext>
-                <a:ext uri="{C183D7F6-B498-43B3-948B-1728B52AA6E4}">
-                  <adec:decorative xmlns:adec="http://schemas.microsoft.com/office/drawing/2017/decorative" val="1"/>
-                </a:ext>
-              </a:extLst>
-            </p:cNvPr>
-            <p:cNvCxnSpPr/>
-            <p:nvPr>
-              <p:extLst>
-                <p:ext uri="{386F3935-93C4-4BCD-93E2-E3B085C9AB24}">
-                  <p16:designElem xmlns:p16="http://schemas.microsoft.com/office/powerpoint/2015/main" val="1"/>
-                </p:ext>
-              </p:extLst>
-            </p:nvPr>
-          </p:nvCxnSpPr>
-          <p:spPr>
-            <a:xfrm flipH="1">
-              <a:off x="10292292" y="3285067"/>
-              <a:ext cx="1896534" cy="1896533"/>
-            </a:xfrm>
-            <a:prstGeom prst="line">
-              <a:avLst/>
-            </a:prstGeom>
-            <a:ln w="9525">
-              <a:solidFill>
-                <a:schemeClr val="tx2">
-                  <a:lumMod val="75000"/>
-                  <a:alpha val="80000"/>
-                </a:schemeClr>
-              </a:solidFill>
-            </a:ln>
-          </p:spPr>
-          <p:style>
-            <a:lnRef idx="2">
-              <a:schemeClr val="accent1"/>
-            </a:lnRef>
-            <a:fillRef idx="0">
-              <a:schemeClr val="accent1"/>
-            </a:fillRef>
-            <a:effectRef idx="1">
-              <a:schemeClr val="accent1"/>
-            </a:effectRef>
-            <a:fontRef idx="minor">
-              <a:schemeClr val="tx1"/>
-            </a:fontRef>
-          </p:style>
-        </p:cxnSp>
-        <p:cxnSp>
-          <p:nvCxnSpPr>
-            <p:cNvPr id="14" name="Straight Connector 13">
-              <a:extLst>
-                <a:ext uri="{FF2B5EF4-FFF2-40B4-BE49-F238E27FC236}">
-                  <a16:creationId xmlns:a16="http://schemas.microsoft.com/office/drawing/2014/main" id="{E6D3DA09-5C72-4562-BEDE-1937DF87E81D}"/>
-                </a:ext>
-                <a:ext uri="{C183D7F6-B498-43B3-948B-1728B52AA6E4}">
-                  <adec:decorative xmlns:adec="http://schemas.microsoft.com/office/drawing/2017/decorative" val="1"/>
-                </a:ext>
-              </a:extLst>
-            </p:cNvPr>
-            <p:cNvCxnSpPr/>
-            <p:nvPr>
-              <p:extLst>
-                <p:ext uri="{386F3935-93C4-4BCD-93E2-E3B085C9AB24}">
-                  <p16:designElem xmlns:p16="http://schemas.microsoft.com/office/powerpoint/2015/main" val="1"/>
-                </p:ext>
-              </p:extLst>
-            </p:nvPr>
-          </p:nvCxnSpPr>
-          <p:spPr>
-            <a:xfrm flipH="1">
-              <a:off x="10443103" y="3131080"/>
-              <a:ext cx="1745722" cy="1745720"/>
-            </a:xfrm>
-            <a:prstGeom prst="line">
-              <a:avLst/>
-            </a:prstGeom>
-            <a:ln w="28575">
-              <a:solidFill>
-                <a:schemeClr val="tx2">
-                  <a:lumMod val="75000"/>
-                  <a:alpha val="80000"/>
-                </a:schemeClr>
-              </a:solidFill>
-            </a:ln>
-          </p:spPr>
-          <p:style>
-            <a:lnRef idx="2">
-              <a:schemeClr val="accent1"/>
-            </a:lnRef>
-            <a:fillRef idx="0">
-              <a:schemeClr val="accent1"/>
-            </a:fillRef>
-            <a:effectRef idx="1">
-              <a:schemeClr val="accent1"/>
-            </a:effectRef>
-            <a:fontRef idx="minor">
-              <a:schemeClr val="tx1"/>
-            </a:fontRef>
-          </p:style>
-        </p:cxnSp>
-        <p:cxnSp>
-          <p:nvCxnSpPr>
-            <p:cNvPr id="15" name="Straight Connector 14">
-              <a:extLst>
-                <a:ext uri="{FF2B5EF4-FFF2-40B4-BE49-F238E27FC236}">
-                  <a16:creationId xmlns:a16="http://schemas.microsoft.com/office/drawing/2014/main" id="{D6ACA7CA-2A20-49D7-9053-E076463D79A3}"/>
-                </a:ext>
-                <a:ext uri="{C183D7F6-B498-43B3-948B-1728B52AA6E4}">
-                  <adec:decorative xmlns:adec="http://schemas.microsoft.com/office/drawing/2017/decorative" val="1"/>
-                </a:ext>
-              </a:extLst>
-            </p:cNvPr>
-            <p:cNvCxnSpPr/>
-            <p:nvPr>
-              <p:extLst>
-                <p:ext uri="{386F3935-93C4-4BCD-93E2-E3B085C9AB24}">
-                  <p16:designElem xmlns:p16="http://schemas.microsoft.com/office/powerpoint/2015/main" val="1"/>
-                </p:ext>
-              </p:extLst>
-            </p:nvPr>
-          </p:nvCxnSpPr>
-          <p:spPr>
-            <a:xfrm flipH="1">
-              <a:off x="10918826" y="3683001"/>
-              <a:ext cx="1270001" cy="1269999"/>
-            </a:xfrm>
-            <a:prstGeom prst="line">
-              <a:avLst/>
-            </a:prstGeom>
-            <a:ln w="28575">
-              <a:solidFill>
-                <a:schemeClr val="tx2">
-                  <a:lumMod val="75000"/>
-                  <a:alpha val="80000"/>
-                </a:schemeClr>
-              </a:solidFill>
-            </a:ln>
-          </p:spPr>
-          <p:style>
-            <a:lnRef idx="2">
-              <a:schemeClr val="accent1"/>
-            </a:lnRef>
-            <a:fillRef idx="0">
-              <a:schemeClr val="accent1"/>
-            </a:fillRef>
-            <a:effectRef idx="1">
-              <a:schemeClr val="accent1"/>
-            </a:effectRef>
-            <a:fontRef idx="minor">
-              <a:schemeClr val="tx1"/>
-            </a:fontRef>
-          </p:style>
-        </p:cxnSp>
-      </p:grpSp>
     </p:spTree>
     <p:extLst>
       <p:ext uri="{BB962C8B-B14F-4D97-AF65-F5344CB8AC3E}">
@@ -8496,7 +7615,7 @@
                   <a:schemeClr val="tx1"/>
                 </a:solidFill>
               </a:rPr>
-              <a:t>	- Free, open source and se</a:t>
+              <a:t>	- Free, open source</a:t>
             </a:r>
           </a:p>
           <a:p>
@@ -8956,6 +8075,16 @@
                   <a:schemeClr val="tx1"/>
                 </a:solidFill>
               </a:rPr>
+              <a:t>User control gallery panel</a:t>
+            </a:r>
+          </a:p>
+          <a:p>
+            <a:r>
+              <a:rPr lang="en-US" dirty="0">
+                <a:solidFill>
+                  <a:schemeClr val="tx1"/>
+                </a:solidFill>
+              </a:rPr>
               <a:t>Admin and member</a:t>
             </a:r>
           </a:p>
@@ -8966,17 +8095,7 @@
                   <a:schemeClr val="tx1"/>
                 </a:solidFill>
               </a:rPr>
-              <a:t>Drag &amp; Drop multi files upload</a:t>
-            </a:r>
-          </a:p>
-          <a:p>
-            <a:r>
-              <a:rPr lang="en-US" dirty="0">
-                <a:solidFill>
-                  <a:schemeClr val="tx1"/>
-                </a:solidFill>
-              </a:rPr>
-              <a:t>User control gallery panel</a:t>
+              <a:t>Multi files upload with drag &amp; drop</a:t>
             </a:r>
           </a:p>
           <a:p>
@@ -9061,7 +8180,7 @@
           <p:cNvPr id="2" name="Title 1">
             <a:extLst>
               <a:ext uri="{FF2B5EF4-FFF2-40B4-BE49-F238E27FC236}">
-                <a16:creationId xmlns:a16="http://schemas.microsoft.com/office/drawing/2014/main" id="{E4BF4F8E-7ADF-4BDD-8C35-527561751EBC}"/>
+                <a16:creationId xmlns:a16="http://schemas.microsoft.com/office/drawing/2014/main" id="{74FA70C2-1D05-41FD-B3ED-3C5F4EEE5C33}"/>
               </a:ext>
             </a:extLst>
           </p:cNvPr>
@@ -9075,7 +8194,7 @@
         <p:spPr>
           <a:xfrm>
             <a:off x="684212" y="485244"/>
-            <a:ext cx="8534400" cy="1147613"/>
+            <a:ext cx="8534400" cy="1507067"/>
           </a:xfrm>
         </p:spPr>
         <p:txBody>
@@ -9086,7 +8205,7 @@
           <a:p>
             <a:r>
               <a:rPr lang="en-US" dirty="0"/>
-              <a:t>Admin and member</a:t>
+              <a:t>User Control panel</a:t>
             </a:r>
           </a:p>
         </p:txBody>
@@ -9096,7 +8215,7 @@
           <p:cNvPr id="3" name="Content Placeholder 2">
             <a:extLst>
               <a:ext uri="{FF2B5EF4-FFF2-40B4-BE49-F238E27FC236}">
-                <a16:creationId xmlns:a16="http://schemas.microsoft.com/office/drawing/2014/main" id="{D2645D03-888C-4E39-8323-069FCF536572}"/>
+                <a16:creationId xmlns:a16="http://schemas.microsoft.com/office/drawing/2014/main" id="{EC006632-CC26-47EE-82FB-556EEC842E9F}"/>
               </a:ext>
             </a:extLst>
           </p:cNvPr>
@@ -9109,13 +8228,13 @@
         </p:nvSpPr>
         <p:spPr>
           <a:xfrm>
-            <a:off x="672569" y="1489547"/>
-            <a:ext cx="8534400" cy="2884489"/>
+            <a:off x="684212" y="2068511"/>
+            <a:ext cx="8534400" cy="3615267"/>
           </a:xfrm>
         </p:spPr>
         <p:txBody>
           <a:bodyPr>
-            <a:normAutofit fontScale="92500" lnSpcReduction="10000"/>
+            <a:normAutofit/>
           </a:bodyPr>
           <a:lstStyle/>
           <a:p>
@@ -9125,33 +8244,27 @@
                   <a:schemeClr val="tx1"/>
                 </a:solidFill>
               </a:rPr>
-              <a:t>Member</a:t>
-            </a:r>
-          </a:p>
-          <a:p>
-            <a:pPr marL="0" indent="0">
-              <a:buNone/>
-            </a:pPr>
+              <a:t>Using Bootstrap to display images</a:t>
+            </a:r>
+          </a:p>
+          <a:p>
             <a:r>
               <a:rPr lang="en-US" dirty="0">
                 <a:solidFill>
                   <a:schemeClr val="tx1"/>
                 </a:solidFill>
               </a:rPr>
-              <a:t>	- Allow to view other gallery</a:t>
-            </a:r>
-          </a:p>
-          <a:p>
-            <a:pPr marL="0" indent="0">
-              <a:buNone/>
-            </a:pPr>
+              <a:t>Create/Delete Albums</a:t>
+            </a:r>
+          </a:p>
+          <a:p>
             <a:r>
               <a:rPr lang="en-US" dirty="0">
                 <a:solidFill>
                   <a:schemeClr val="tx1"/>
                 </a:solidFill>
               </a:rPr>
-              <a:t>	- Only allow to modified it’s own gallery (rename/delete)</a:t>
+              <a:t>Move images to albums</a:t>
             </a:r>
           </a:p>
           <a:p>
@@ -9161,66 +8274,27 @@
                   <a:schemeClr val="tx1"/>
                 </a:solidFill>
               </a:rPr>
-              <a:t>Admin</a:t>
-            </a:r>
-          </a:p>
-          <a:p>
-            <a:pPr marL="0" indent="0">
-              <a:buNone/>
-            </a:pPr>
+              <a:t>Delete Photos</a:t>
+            </a:r>
+          </a:p>
+          <a:p>
             <a:r>
               <a:rPr lang="en-US" dirty="0">
                 <a:solidFill>
                   <a:schemeClr val="tx1"/>
                 </a:solidFill>
               </a:rPr>
-              <a:t>	- Full access.</a:t>
-            </a:r>
-          </a:p>
-          <a:p>
-            <a:pPr marL="0" indent="0">
-              <a:buNone/>
-            </a:pPr>
-            <a:r>
-              <a:rPr lang="en-US" dirty="0">
-                <a:solidFill>
-                  <a:schemeClr val="tx1"/>
-                </a:solidFill>
-              </a:rPr>
-              <a:t>	- Can rename/delete any pictures from all user.</a:t>
-            </a:r>
-          </a:p>
-          <a:p>
-            <a:pPr marL="0" indent="0">
-              <a:buNone/>
-            </a:pPr>
-            <a:r>
-              <a:rPr lang="en-US" dirty="0">
-                <a:solidFill>
-                  <a:schemeClr val="tx1"/>
-                </a:solidFill>
-              </a:rPr>
-              <a:t>	- Can create album in member gallery.</a:t>
-            </a:r>
-          </a:p>
-          <a:p>
-            <a:pPr marL="0" indent="0">
-              <a:buNone/>
-            </a:pPr>
-            <a:endParaRPr lang="en-US" dirty="0">
-              <a:solidFill>
-                <a:schemeClr val="tx1"/>
-              </a:solidFill>
-            </a:endParaRPr>
+              <a:t>Verify admin and user</a:t>
+            </a:r>
           </a:p>
         </p:txBody>
       </p:sp>
       <p:pic>
         <p:nvPicPr>
-          <p:cNvPr id="14" name="Picture 13">
+          <p:cNvPr id="9" name="Picture 8">
             <a:extLst>
               <a:ext uri="{FF2B5EF4-FFF2-40B4-BE49-F238E27FC236}">
-                <a16:creationId xmlns:a16="http://schemas.microsoft.com/office/drawing/2014/main" id="{A922A36B-56A5-44ED-9CA0-906B43F9C00B}"/>
+                <a16:creationId xmlns:a16="http://schemas.microsoft.com/office/drawing/2014/main" id="{48D87171-9D2F-47AE-BE4D-14C597806F17}"/>
               </a:ext>
             </a:extLst>
           </p:cNvPr>
@@ -9243,8 +8317,8 @@
         </p:blipFill>
         <p:spPr>
           <a:xfrm>
-            <a:off x="751345" y="4078574"/>
-            <a:ext cx="9238917" cy="2294182"/>
+            <a:off x="6292944" y="859547"/>
+            <a:ext cx="4074753" cy="5312653"/>
           </a:xfrm>
           <a:prstGeom prst="rect">
             <a:avLst/>
@@ -9254,7 +8328,7 @@
     </p:spTree>
     <p:extLst>
       <p:ext uri="{BB962C8B-B14F-4D97-AF65-F5344CB8AC3E}">
-        <p14:creationId xmlns:p14="http://schemas.microsoft.com/office/powerpoint/2010/main" val="1065064079"/>
+        <p14:creationId xmlns:p14="http://schemas.microsoft.com/office/powerpoint/2010/main" val="2547197270"/>
       </p:ext>
     </p:extLst>
   </p:cSld>
@@ -9325,7 +8399,7 @@
         <p:spPr>
           <a:xfrm>
             <a:off x="684212" y="485244"/>
-            <a:ext cx="8534400" cy="1507067"/>
+            <a:ext cx="8534400" cy="1147613"/>
           </a:xfrm>
         </p:spPr>
         <p:txBody>
@@ -9336,7 +8410,7 @@
           <a:p>
             <a:r>
               <a:rPr lang="en-US" dirty="0"/>
-              <a:t>Drag &amp; Drop multi files upload</a:t>
+              <a:t>Admin and member</a:t>
             </a:r>
           </a:p>
         </p:txBody>
@@ -9359,13 +8433,13 @@
         </p:nvSpPr>
         <p:spPr>
           <a:xfrm>
-            <a:off x="684212" y="2068511"/>
-            <a:ext cx="9336866" cy="3615267"/>
+            <a:off x="672569" y="1489547"/>
+            <a:ext cx="8534400" cy="2884489"/>
           </a:xfrm>
         </p:spPr>
         <p:txBody>
           <a:bodyPr>
-            <a:normAutofit/>
+            <a:normAutofit fontScale="92500" lnSpcReduction="10000"/>
           </a:bodyPr>
           <a:lstStyle/>
           <a:p>
@@ -9375,7 +8449,7 @@
                   <a:schemeClr val="tx1"/>
                 </a:solidFill>
               </a:rPr>
-              <a:t>Auto resize</a:t>
+              <a:t>Member</a:t>
             </a:r>
           </a:p>
           <a:p>
@@ -9388,33 +8462,43 @@
                   <a:schemeClr val="tx1"/>
                 </a:solidFill>
               </a:rPr>
-              <a:t>	- Auto resize the image to width 1024 to save the space on server.</a:t>
-            </a:r>
-          </a:p>
-          <a:p>
+              <a:t>	- Allow to view other gallery</a:t>
+            </a:r>
+          </a:p>
+          <a:p>
+            <a:pPr marL="0" indent="0">
+              <a:buNone/>
+            </a:pPr>
             <a:r>
               <a:rPr lang="en-US" dirty="0">
                 <a:solidFill>
                   <a:schemeClr val="tx1"/>
                 </a:solidFill>
               </a:rPr>
-              <a:t>Use </a:t>
-            </a:r>
-            <a:r>
-              <a:rPr lang="en-US" dirty="0" err="1">
+              <a:t>	- Only allow to modified it’s own gallery (rename/delete)</a:t>
+            </a:r>
+          </a:p>
+          <a:p>
+            <a:r>
+              <a:rPr lang="en-US" dirty="0">
                 <a:solidFill>
                   <a:schemeClr val="tx1"/>
                 </a:solidFill>
               </a:rPr>
-              <a:t>DropzoneJS</a:t>
-            </a:r>
+              <a:t>Admin</a:t>
+            </a:r>
+          </a:p>
+          <a:p>
+            <a:pPr marL="0" indent="0">
+              <a:buNone/>
+            </a:pPr>
             <a:r>
               <a:rPr lang="en-US" dirty="0">
                 <a:solidFill>
                   <a:schemeClr val="tx1"/>
                 </a:solidFill>
               </a:rPr>
-              <a:t> library</a:t>
+              <a:t>	- Full access.</a:t>
             </a:r>
           </a:p>
           <a:p>
@@ -9427,23 +8511,20 @@
                   <a:schemeClr val="tx1"/>
                 </a:solidFill>
               </a:rPr>
-              <a:t>	- Allow to </a:t>
-            </a:r>
-            <a:r>
-              <a:rPr lang="en-US" dirty="0" err="1">
+              <a:t>	- Can rename/delete any pictures from all user.</a:t>
+            </a:r>
+          </a:p>
+          <a:p>
+            <a:pPr marL="0" indent="0">
+              <a:buNone/>
+            </a:pPr>
+            <a:r>
+              <a:rPr lang="en-US" dirty="0">
                 <a:solidFill>
                   <a:schemeClr val="tx1"/>
                 </a:solidFill>
               </a:rPr>
-              <a:t>drap’n’drop</a:t>
-            </a:r>
-            <a:r>
-              <a:rPr lang="en-US" dirty="0">
-                <a:solidFill>
-                  <a:schemeClr val="tx1"/>
-                </a:solidFill>
-              </a:rPr>
-              <a:t> file uploads with image previews.</a:t>
+              <a:t>	- Can create album in member gallery.</a:t>
             </a:r>
           </a:p>
           <a:p>
@@ -9456,16 +8537,6 @@
               </a:solidFill>
             </a:endParaRPr>
           </a:p>
-          <a:p>
-            <a:pPr marL="0" indent="0">
-              <a:buNone/>
-            </a:pPr>
-            <a:endParaRPr lang="en-US" dirty="0">
-              <a:solidFill>
-                <a:schemeClr val="tx1"/>
-              </a:solidFill>
-            </a:endParaRPr>
-          </a:p>
         </p:txBody>
       </p:sp>
       <p:pic>
@@ -9473,7 +8544,7 @@
           <p:cNvPr id="14" name="Picture 13">
             <a:extLst>
               <a:ext uri="{FF2B5EF4-FFF2-40B4-BE49-F238E27FC236}">
-                <a16:creationId xmlns:a16="http://schemas.microsoft.com/office/drawing/2014/main" id="{9327E8D0-5229-4D65-9426-577635019D29}"/>
+                <a16:creationId xmlns:a16="http://schemas.microsoft.com/office/drawing/2014/main" id="{A922A36B-56A5-44ED-9CA0-906B43F9C00B}"/>
               </a:ext>
             </a:extLst>
           </p:cNvPr>
@@ -9496,8 +8567,8 @@
         </p:blipFill>
         <p:spPr>
           <a:xfrm>
-            <a:off x="1241010" y="4413889"/>
-            <a:ext cx="7439219" cy="1958867"/>
+            <a:off x="751345" y="4078574"/>
+            <a:ext cx="9238917" cy="2294182"/>
           </a:xfrm>
           <a:prstGeom prst="rect">
             <a:avLst/>
@@ -9507,7 +8578,7 @@
     </p:spTree>
     <p:extLst>
       <p:ext uri="{BB962C8B-B14F-4D97-AF65-F5344CB8AC3E}">
-        <p14:creationId xmlns:p14="http://schemas.microsoft.com/office/powerpoint/2010/main" val="2158784106"/>
+        <p14:creationId xmlns:p14="http://schemas.microsoft.com/office/powerpoint/2010/main" val="1065064079"/>
       </p:ext>
     </p:extLst>
   </p:cSld>
@@ -9589,7 +8660,7 @@
           <a:p>
             <a:r>
               <a:rPr lang="en-US" dirty="0"/>
-              <a:t>User control gallery panel</a:t>
+              <a:t>User control panel Database</a:t>
             </a:r>
           </a:p>
         </p:txBody>
@@ -9628,36 +8699,6 @@
                   <a:schemeClr val="tx1"/>
                 </a:solidFill>
               </a:rPr>
-              <a:t>Rename the photo</a:t>
-            </a:r>
-          </a:p>
-          <a:p>
-            <a:r>
-              <a:rPr lang="en-US" dirty="0">
-                <a:solidFill>
-                  <a:schemeClr val="tx1"/>
-                </a:solidFill>
-              </a:rPr>
-              <a:t>Create/rename Albums</a:t>
-            </a:r>
-          </a:p>
-          <a:p>
-            <a:r>
-              <a:rPr lang="en-US" dirty="0">
-                <a:solidFill>
-                  <a:schemeClr val="tx1"/>
-                </a:solidFill>
-              </a:rPr>
-              <a:t>Delete photos/Albums</a:t>
-            </a:r>
-          </a:p>
-          <a:p>
-            <a:r>
-              <a:rPr lang="en-US" dirty="0">
-                <a:solidFill>
-                  <a:schemeClr val="tx1"/>
-                </a:solidFill>
-              </a:rPr>
               <a:t>User albums is saved in database</a:t>
             </a:r>
           </a:p>
@@ -9688,21 +8729,8 @@
                   <a:schemeClr val="tx1"/>
                 </a:solidFill>
               </a:rPr>
-              <a:t>Photos information in each album is also saved in </a:t>
-            </a:r>
-            <a:r>
-              <a:rPr lang="en-US" dirty="0" err="1">
-                <a:solidFill>
-                  <a:schemeClr val="tx1"/>
-                </a:solidFill>
-              </a:rPr>
-              <a:t>databasw</a:t>
-            </a:r>
-            <a:endParaRPr lang="en-US" dirty="0">
-              <a:solidFill>
-                <a:schemeClr val="tx1"/>
-              </a:solidFill>
-            </a:endParaRPr>
+              <a:t>Photos information in each album is also saved in database</a:t>
+            </a:r>
           </a:p>
           <a:p>
             <a:pPr marL="0" indent="0">
@@ -9768,7 +8796,7 @@
         </p:blipFill>
         <p:spPr>
           <a:xfrm>
-            <a:off x="2156018" y="3434480"/>
+            <a:off x="2220187" y="2808838"/>
             <a:ext cx="4286250" cy="819150"/>
           </a:xfrm>
           <a:prstGeom prst="rect">
@@ -9804,7 +8832,7 @@
         </p:blipFill>
         <p:spPr>
           <a:xfrm>
-            <a:off x="1639217" y="4757020"/>
+            <a:off x="2160586" y="4137401"/>
             <a:ext cx="6324600" cy="1476375"/>
           </a:xfrm>
           <a:prstGeom prst="rect">

--- a/Final-Powerpoint/Final.pptx
+++ b/Final-Powerpoint/Final.pptx
@@ -120,7 +120,7 @@
   </p:defaultTextStyle>
   <p:extLst>
     <p:ext uri="{EFAFB233-063F-42B5-8137-9DF3F51BA10A}">
-      <p15:sldGuideLst xmlns:p15="http://schemas.microsoft.com/office/powerpoint/2012/main"/>
+      <p15:sldGuideLst xmlns="" xmlns:p15="http://schemas.microsoft.com/office/powerpoint/2012/main"/>
     </p:ext>
   </p:extLst>
 </p:presentation>
@@ -317,7 +317,7 @@
           <a:p>
             <a:fld id="{F0B2718B-1D39-45AA-AC25-63B5A83F6FED}" type="datetimeFigureOut">
               <a:rPr lang="en-US" smtClean="0"/>
-              <a:t>12/4/2018</a:t>
+              <a:t>12/4/18</a:t>
             </a:fld>
             <a:endParaRPr lang="en-US"/>
           </a:p>
@@ -753,7 +753,7 @@
           <a:p>
             <a:fld id="{F0B2718B-1D39-45AA-AC25-63B5A83F6FED}" type="datetimeFigureOut">
               <a:rPr lang="en-US" smtClean="0"/>
-              <a:t>12/4/2018</a:t>
+              <a:t>12/4/18</a:t>
             </a:fld>
             <a:endParaRPr lang="en-US"/>
           </a:p>
@@ -1003,7 +1003,7 @@
           <a:p>
             <a:fld id="{F0B2718B-1D39-45AA-AC25-63B5A83F6FED}" type="datetimeFigureOut">
               <a:rPr lang="en-US" smtClean="0"/>
-              <a:t>12/4/2018</a:t>
+              <a:t>12/4/18</a:t>
             </a:fld>
             <a:endParaRPr lang="en-US"/>
           </a:p>
@@ -1311,7 +1311,7 @@
           <a:p>
             <a:fld id="{F0B2718B-1D39-45AA-AC25-63B5A83F6FED}" type="datetimeFigureOut">
               <a:rPr lang="en-US" smtClean="0"/>
-              <a:t>12/4/2018</a:t>
+              <a:t>12/4/18</a:t>
             </a:fld>
             <a:endParaRPr lang="en-US"/>
           </a:p>
@@ -1629,7 +1629,7 @@
           <a:p>
             <a:fld id="{F0B2718B-1D39-45AA-AC25-63B5A83F6FED}" type="datetimeFigureOut">
               <a:rPr lang="en-US" smtClean="0"/>
-              <a:t>12/4/2018</a:t>
+              <a:t>12/4/18</a:t>
             </a:fld>
             <a:endParaRPr lang="en-US"/>
           </a:p>
@@ -1931,7 +1931,7 @@
           <a:p>
             <a:fld id="{F0B2718B-1D39-45AA-AC25-63B5A83F6FED}" type="datetimeFigureOut">
               <a:rPr lang="en-US" smtClean="0"/>
-              <a:t>12/4/2018</a:t>
+              <a:t>12/4/18</a:t>
             </a:fld>
             <a:endParaRPr lang="en-US"/>
           </a:p>
@@ -2298,7 +2298,7 @@
           <a:p>
             <a:fld id="{F0B2718B-1D39-45AA-AC25-63B5A83F6FED}" type="datetimeFigureOut">
               <a:rPr lang="en-US" smtClean="0"/>
-              <a:t>12/4/2018</a:t>
+              <a:t>12/4/18</a:t>
             </a:fld>
             <a:endParaRPr lang="en-US"/>
           </a:p>
@@ -2472,7 +2472,7 @@
           <a:p>
             <a:fld id="{F0B2718B-1D39-45AA-AC25-63B5A83F6FED}" type="datetimeFigureOut">
               <a:rPr lang="en-US" smtClean="0"/>
-              <a:t>12/4/2018</a:t>
+              <a:t>12/4/18</a:t>
             </a:fld>
             <a:endParaRPr lang="en-US"/>
           </a:p>
@@ -2652,7 +2652,7 @@
           <a:p>
             <a:fld id="{F0B2718B-1D39-45AA-AC25-63B5A83F6FED}" type="datetimeFigureOut">
               <a:rPr lang="en-US" smtClean="0"/>
-              <a:t>12/4/2018</a:t>
+              <a:t>12/4/18</a:t>
             </a:fld>
             <a:endParaRPr lang="en-US"/>
           </a:p>
@@ -2822,7 +2822,7 @@
           <a:p>
             <a:fld id="{F0B2718B-1D39-45AA-AC25-63B5A83F6FED}" type="datetimeFigureOut">
               <a:rPr lang="en-US" smtClean="0"/>
-              <a:t>12/4/2018</a:t>
+              <a:t>12/4/18</a:t>
             </a:fld>
             <a:endParaRPr lang="en-US"/>
           </a:p>
@@ -3072,7 +3072,7 @@
           <a:p>
             <a:fld id="{F0B2718B-1D39-45AA-AC25-63B5A83F6FED}" type="datetimeFigureOut">
               <a:rPr lang="en-US" smtClean="0"/>
-              <a:t>12/4/2018</a:t>
+              <a:t>12/4/18</a:t>
             </a:fld>
             <a:endParaRPr lang="en-US"/>
           </a:p>
@@ -3308,7 +3308,7 @@
           <a:p>
             <a:fld id="{F0B2718B-1D39-45AA-AC25-63B5A83F6FED}" type="datetimeFigureOut">
               <a:rPr lang="en-US" smtClean="0"/>
-              <a:t>12/4/2018</a:t>
+              <a:t>12/4/18</a:t>
             </a:fld>
             <a:endParaRPr lang="en-US"/>
           </a:p>
@@ -3368,7 +3368,7 @@
   </p:clrMapOvr>
   <p:extLst>
     <p:ext uri="{DCECCB84-F9BA-43D5-87BE-67443E8EF086}">
-      <p15:sldGuideLst xmlns:p15="http://schemas.microsoft.com/office/powerpoint/2012/main"/>
+      <p15:sldGuideLst xmlns="" xmlns:p15="http://schemas.microsoft.com/office/powerpoint/2012/main"/>
     </p:ext>
   </p:extLst>
 </p:sldLayout>
@@ -3695,7 +3695,7 @@
           <a:p>
             <a:fld id="{F0B2718B-1D39-45AA-AC25-63B5A83F6FED}" type="datetimeFigureOut">
               <a:rPr lang="en-US" smtClean="0"/>
-              <a:t>12/4/2018</a:t>
+              <a:t>12/4/18</a:t>
             </a:fld>
             <a:endParaRPr lang="en-US"/>
           </a:p>
@@ -3755,7 +3755,7 @@
   </p:clrMapOvr>
   <p:extLst>
     <p:ext uri="{DCECCB84-F9BA-43D5-87BE-67443E8EF086}">
-      <p15:sldGuideLst xmlns:p15="http://schemas.microsoft.com/office/powerpoint/2012/main"/>
+      <p15:sldGuideLst xmlns="" xmlns:p15="http://schemas.microsoft.com/office/powerpoint/2012/main"/>
     </p:ext>
   </p:extLst>
 </p:sldLayout>
@@ -3818,7 +3818,7 @@
           <a:p>
             <a:fld id="{F0B2718B-1D39-45AA-AC25-63B5A83F6FED}" type="datetimeFigureOut">
               <a:rPr lang="en-US" smtClean="0"/>
-              <a:t>12/4/2018</a:t>
+              <a:t>12/4/18</a:t>
             </a:fld>
             <a:endParaRPr lang="en-US"/>
           </a:p>
@@ -3913,7 +3913,7 @@
           <a:p>
             <a:fld id="{F0B2718B-1D39-45AA-AC25-63B5A83F6FED}" type="datetimeFigureOut">
               <a:rPr lang="en-US" smtClean="0"/>
-              <a:t>12/4/2018</a:t>
+              <a:t>12/4/18</a:t>
             </a:fld>
             <a:endParaRPr lang="en-US"/>
           </a:p>
@@ -4168,7 +4168,7 @@
           <a:p>
             <a:fld id="{F0B2718B-1D39-45AA-AC25-63B5A83F6FED}" type="datetimeFigureOut">
               <a:rPr lang="en-US" smtClean="0"/>
-              <a:t>12/4/2018</a:t>
+              <a:t>12/4/18</a:t>
             </a:fld>
             <a:endParaRPr lang="en-US"/>
           </a:p>
@@ -4228,7 +4228,7 @@
   </p:clrMapOvr>
   <p:extLst>
     <p:ext uri="{DCECCB84-F9BA-43D5-87BE-67443E8EF086}">
-      <p15:sldGuideLst xmlns:p15="http://schemas.microsoft.com/office/powerpoint/2012/main"/>
+      <p15:sldGuideLst xmlns="" xmlns:p15="http://schemas.microsoft.com/office/powerpoint/2012/main"/>
     </p:ext>
   </p:extLst>
 </p:sldLayout>
@@ -4456,7 +4456,7 @@
           <a:p>
             <a:fld id="{F0B2718B-1D39-45AA-AC25-63B5A83F6FED}" type="datetimeFigureOut">
               <a:rPr lang="en-US" smtClean="0"/>
-              <a:t>12/4/2018</a:t>
+              <a:t>12/4/18</a:t>
             </a:fld>
             <a:endParaRPr lang="en-US"/>
           </a:p>
@@ -4862,7 +4862,7 @@
           <a:p>
             <a:fld id="{F0B2718B-1D39-45AA-AC25-63B5A83F6FED}" type="datetimeFigureOut">
               <a:rPr lang="en-US" smtClean="0"/>
-              <a:t>12/4/2018</a:t>
+              <a:t>12/4/18</a:t>
             </a:fld>
             <a:endParaRPr lang="en-US"/>
           </a:p>
@@ -5379,7 +5379,7 @@
   </p:txStyles>
   <p:extLst>
     <p:ext uri="{27BBF7A9-308A-43DC-89C8-2F10F3537804}">
-      <p15:sldGuideLst xmlns:p15="http://schemas.microsoft.com/office/powerpoint/2012/main"/>
+      <p15:sldGuideLst xmlns="" xmlns:p15="http://schemas.microsoft.com/office/powerpoint/2012/main"/>
     </p:ext>
   </p:extLst>
 </p:sldMaster>
@@ -5432,7 +5432,7 @@
           <p:cNvPr id="2" name="Title 1">
             <a:extLst>
               <a:ext uri="{FF2B5EF4-FFF2-40B4-BE49-F238E27FC236}">
-                <a16:creationId xmlns:a16="http://schemas.microsoft.com/office/drawing/2014/main" id="{2FFF5C30-E75B-4AAF-BD58-1B7CE09595AB}"/>
+                <a16:creationId xmlns="" xmlns:a16="http://schemas.microsoft.com/office/drawing/2014/main" id="{2FFF5C30-E75B-4AAF-BD58-1B7CE09595AB}"/>
               </a:ext>
             </a:extLst>
           </p:cNvPr>
@@ -5467,7 +5467,7 @@
           <p:cNvPr id="3" name="Subtitle 2">
             <a:extLst>
               <a:ext uri="{FF2B5EF4-FFF2-40B4-BE49-F238E27FC236}">
-                <a16:creationId xmlns:a16="http://schemas.microsoft.com/office/drawing/2014/main" id="{BC9B9D16-FF95-4D59-A107-E948FB388DAF}"/>
+                <a16:creationId xmlns="" xmlns:a16="http://schemas.microsoft.com/office/drawing/2014/main" id="{BC9B9D16-FF95-4D59-A107-E948FB388DAF}"/>
               </a:ext>
             </a:extLst>
           </p:cNvPr>
@@ -5558,7 +5558,7 @@
           <p:cNvPr id="2" name="Title 1">
             <a:extLst>
               <a:ext uri="{FF2B5EF4-FFF2-40B4-BE49-F238E27FC236}">
-                <a16:creationId xmlns:a16="http://schemas.microsoft.com/office/drawing/2014/main" id="{E4BF4F8E-7ADF-4BDD-8C35-527561751EBC}"/>
+                <a16:creationId xmlns="" xmlns:a16="http://schemas.microsoft.com/office/drawing/2014/main" id="{E4BF4F8E-7ADF-4BDD-8C35-527561751EBC}"/>
               </a:ext>
             </a:extLst>
           </p:cNvPr>
@@ -5593,7 +5593,7 @@
           <p:cNvPr id="3" name="Content Placeholder 2">
             <a:extLst>
               <a:ext uri="{FF2B5EF4-FFF2-40B4-BE49-F238E27FC236}">
-                <a16:creationId xmlns:a16="http://schemas.microsoft.com/office/drawing/2014/main" id="{D2645D03-888C-4E39-8323-069FCF536572}"/>
+                <a16:creationId xmlns="" xmlns:a16="http://schemas.microsoft.com/office/drawing/2014/main" id="{D2645D03-888C-4E39-8323-069FCF536572}"/>
               </a:ext>
             </a:extLst>
           </p:cNvPr>
@@ -5720,7 +5720,7 @@
           <p:cNvPr id="14" name="Picture 13">
             <a:extLst>
               <a:ext uri="{FF2B5EF4-FFF2-40B4-BE49-F238E27FC236}">
-                <a16:creationId xmlns:a16="http://schemas.microsoft.com/office/drawing/2014/main" id="{9327E8D0-5229-4D65-9426-577635019D29}"/>
+                <a16:creationId xmlns="" xmlns:a16="http://schemas.microsoft.com/office/drawing/2014/main" id="{9327E8D0-5229-4D65-9426-577635019D29}"/>
               </a:ext>
             </a:extLst>
           </p:cNvPr>
@@ -5761,6 +5761,13 @@
   <p:clrMapOvr>
     <a:masterClrMapping/>
   </p:clrMapOvr>
+  <p:timing>
+    <p:tnLst>
+      <p:par>
+        <p:cTn xmlns:p14="http://schemas.microsoft.com/office/powerpoint/2010/main" id="1" dur="indefinite" restart="never" nodeType="tmRoot"/>
+      </p:par>
+    </p:tnLst>
+  </p:timing>
 </p:sld>
 </file>
 
@@ -5811,7 +5818,7 @@
           <p:cNvPr id="2" name="Title 1">
             <a:extLst>
               <a:ext uri="{FF2B5EF4-FFF2-40B4-BE49-F238E27FC236}">
-                <a16:creationId xmlns:a16="http://schemas.microsoft.com/office/drawing/2014/main" id="{E1E0C807-17B7-4896-AA84-D2B4C27E005D}"/>
+                <a16:creationId xmlns="" xmlns:a16="http://schemas.microsoft.com/office/drawing/2014/main" id="{E1E0C807-17B7-4896-AA84-D2B4C27E005D}"/>
               </a:ext>
             </a:extLst>
           </p:cNvPr>
@@ -5846,7 +5853,7 @@
           <p:cNvPr id="3" name="Content Placeholder 2">
             <a:extLst>
               <a:ext uri="{FF2B5EF4-FFF2-40B4-BE49-F238E27FC236}">
-                <a16:creationId xmlns:a16="http://schemas.microsoft.com/office/drawing/2014/main" id="{FAD0F8D3-1890-4D20-ACD9-8EACBA6A5842}"/>
+                <a16:creationId xmlns="" xmlns:a16="http://schemas.microsoft.com/office/drawing/2014/main" id="{FAD0F8D3-1890-4D20-ACD9-8EACBA6A5842}"/>
               </a:ext>
             </a:extLst>
           </p:cNvPr>
@@ -5870,22 +5877,20 @@
           <a:lstStyle/>
           <a:p>
             <a:r>
+              <a:rPr lang="en-US" dirty="0" smtClean="0">
+                <a:solidFill>
+                  <a:schemeClr val="tx1"/>
+                </a:solidFill>
+              </a:rPr>
+              <a:t>Get </a:t>
+            </a:r>
+            <a:r>
               <a:rPr lang="en-US" dirty="0">
                 <a:solidFill>
                   <a:schemeClr val="tx1"/>
                 </a:solidFill>
               </a:rPr>
-              <a:t>PHP functions</a:t>
-            </a:r>
-          </a:p>
-          <a:p>
-            <a:r>
-              <a:rPr lang="en-US" dirty="0">
-                <a:solidFill>
-                  <a:schemeClr val="tx1"/>
-                </a:solidFill>
-              </a:rPr>
-              <a:t>Get data from MySQL. Check username/password.</a:t>
+              <a:t>data from MySQL. Check username/password.</a:t>
             </a:r>
           </a:p>
           <a:p>
@@ -5956,7 +5961,7 @@
           <p:cNvPr id="5" name="Picture 4">
             <a:extLst>
               <a:ext uri="{FF2B5EF4-FFF2-40B4-BE49-F238E27FC236}">
-                <a16:creationId xmlns:a16="http://schemas.microsoft.com/office/drawing/2014/main" id="{07F5CFE2-94CD-44F0-9B7B-A378395D76E4}"/>
+                <a16:creationId xmlns="" xmlns:a16="http://schemas.microsoft.com/office/drawing/2014/main" id="{07F5CFE2-94CD-44F0-9B7B-A378395D76E4}"/>
               </a:ext>
             </a:extLst>
           </p:cNvPr>
@@ -5992,7 +5997,7 @@
           <p:cNvPr id="7" name="Picture 6">
             <a:extLst>
               <a:ext uri="{FF2B5EF4-FFF2-40B4-BE49-F238E27FC236}">
-                <a16:creationId xmlns:a16="http://schemas.microsoft.com/office/drawing/2014/main" id="{46D9DDD4-AD31-4DA2-B74F-AA1FBC77A6EF}"/>
+                <a16:creationId xmlns="" xmlns:a16="http://schemas.microsoft.com/office/drawing/2014/main" id="{46D9DDD4-AD31-4DA2-B74F-AA1FBC77A6EF}"/>
               </a:ext>
             </a:extLst>
           </p:cNvPr>
@@ -6015,7 +6020,7 @@
         </p:blipFill>
         <p:spPr>
           <a:xfrm>
-            <a:off x="4318170" y="5331353"/>
+            <a:off x="5093313" y="5347849"/>
             <a:ext cx="5257800" cy="428625"/>
           </a:xfrm>
           <a:prstGeom prst="rect">
@@ -6033,6 +6038,13 @@
   <p:clrMapOvr>
     <a:masterClrMapping/>
   </p:clrMapOvr>
+  <p:timing>
+    <p:tnLst>
+      <p:par>
+        <p:cTn xmlns:p14="http://schemas.microsoft.com/office/powerpoint/2010/main" id="1" dur="indefinite" restart="never" nodeType="tmRoot"/>
+      </p:par>
+    </p:tnLst>
+  </p:timing>
 </p:sld>
 </file>
 
@@ -6083,7 +6095,7 @@
           <p:cNvPr id="2" name="Title 1">
             <a:extLst>
               <a:ext uri="{FF2B5EF4-FFF2-40B4-BE49-F238E27FC236}">
-                <a16:creationId xmlns:a16="http://schemas.microsoft.com/office/drawing/2014/main" id="{74FA70C2-1D05-41FD-B3ED-3C5F4EEE5C33}"/>
+                <a16:creationId xmlns="" xmlns:a16="http://schemas.microsoft.com/office/drawing/2014/main" id="{74FA70C2-1D05-41FD-B3ED-3C5F4EEE5C33}"/>
               </a:ext>
             </a:extLst>
           </p:cNvPr>
@@ -6118,7 +6130,7 @@
           <p:cNvPr id="3" name="Content Placeholder 2">
             <a:extLst>
               <a:ext uri="{FF2B5EF4-FFF2-40B4-BE49-F238E27FC236}">
-                <a16:creationId xmlns:a16="http://schemas.microsoft.com/office/drawing/2014/main" id="{EC006632-CC26-47EE-82FB-556EEC842E9F}"/>
+                <a16:creationId xmlns="" xmlns:a16="http://schemas.microsoft.com/office/drawing/2014/main" id="{EC006632-CC26-47EE-82FB-556EEC842E9F}"/>
               </a:ext>
             </a:extLst>
           </p:cNvPr>
@@ -6197,7 +6209,7 @@
           <p:cNvPr id="5" name="Picture 4">
             <a:extLst>
               <a:ext uri="{FF2B5EF4-FFF2-40B4-BE49-F238E27FC236}">
-                <a16:creationId xmlns:a16="http://schemas.microsoft.com/office/drawing/2014/main" id="{8FBA3F76-FB4C-414F-B12D-C21240C9F697}"/>
+                <a16:creationId xmlns="" xmlns:a16="http://schemas.microsoft.com/office/drawing/2014/main" id="{8FBA3F76-FB4C-414F-B12D-C21240C9F697}"/>
               </a:ext>
             </a:extLst>
           </p:cNvPr>
@@ -6238,6 +6250,13 @@
   <p:clrMapOvr>
     <a:masterClrMapping/>
   </p:clrMapOvr>
+  <p:timing>
+    <p:tnLst>
+      <p:par>
+        <p:cTn xmlns:p14="http://schemas.microsoft.com/office/powerpoint/2010/main" id="1" dur="indefinite" restart="never" nodeType="tmRoot"/>
+      </p:par>
+    </p:tnLst>
+  </p:timing>
 </p:sld>
 </file>
 
@@ -6288,10 +6307,10 @@
           <p:cNvPr id="8" name="Rectangle 7">
             <a:extLst>
               <a:ext uri="{FF2B5EF4-FFF2-40B4-BE49-F238E27FC236}">
-                <a16:creationId xmlns:a16="http://schemas.microsoft.com/office/drawing/2014/main" id="{CADF2543-1B6F-4FBC-A7AF-53A0430E05AB}"/>
+                <a16:creationId xmlns="" xmlns:a16="http://schemas.microsoft.com/office/drawing/2014/main" id="{CADF2543-1B6F-4FBC-A7AF-53A0430E05AB}"/>
               </a:ext>
               <a:ext uri="{C183D7F6-B498-43B3-948B-1728B52AA6E4}">
-                <adec:decorative xmlns:adec="http://schemas.microsoft.com/office/drawing/2017/decorative" val="1"/>
+                <adec:decorative xmlns="" xmlns:adec="http://schemas.microsoft.com/office/drawing/2017/decorative" val="1"/>
               </a:ext>
             </a:extLst>
           </p:cNvPr>
@@ -6301,7 +6320,7 @@
           <p:nvPr>
             <p:extLst>
               <p:ext uri="{386F3935-93C4-4BCD-93E2-E3B085C9AB24}">
-                <p16:designElem xmlns:p16="http://schemas.microsoft.com/office/powerpoint/2015/main" val="1"/>
+                <p16:designElem xmlns="" xmlns:p16="http://schemas.microsoft.com/office/powerpoint/2015/main" val="1"/>
               </p:ext>
             </p:extLst>
           </p:nvPr>
@@ -6348,7 +6367,7 @@
           <p:cNvPr id="2" name="Title 1">
             <a:extLst>
               <a:ext uri="{FF2B5EF4-FFF2-40B4-BE49-F238E27FC236}">
-                <a16:creationId xmlns:a16="http://schemas.microsoft.com/office/drawing/2014/main" id="{74FA70C2-1D05-41FD-B3ED-3C5F4EEE5C33}"/>
+                <a16:creationId xmlns="" xmlns:a16="http://schemas.microsoft.com/office/drawing/2014/main" id="{74FA70C2-1D05-41FD-B3ED-3C5F4EEE5C33}"/>
               </a:ext>
             </a:extLst>
           </p:cNvPr>
@@ -6383,7 +6402,7 @@
           <p:cNvPr id="3" name="Content Placeholder 2">
             <a:extLst>
               <a:ext uri="{FF2B5EF4-FFF2-40B4-BE49-F238E27FC236}">
-                <a16:creationId xmlns:a16="http://schemas.microsoft.com/office/drawing/2014/main" id="{EC006632-CC26-47EE-82FB-556EEC842E9F}"/>
+                <a16:creationId xmlns="" xmlns:a16="http://schemas.microsoft.com/office/drawing/2014/main" id="{EC006632-CC26-47EE-82FB-556EEC842E9F}"/>
               </a:ext>
             </a:extLst>
           </p:cNvPr>
@@ -6408,13 +6427,26 @@
           <a:p>
             <a:r>
               <a:rPr lang="en-US" dirty="0">
-                <a:solidFill>
-                  <a:schemeClr val="tx1"/>
-                </a:solidFill>
+                <a:ln w="18415" cmpd="sng">
+                  <a:solidFill>
+                    <a:srgbClr val="FFFFFF"/>
+                  </a:solidFill>
+                  <a:prstDash val="solid"/>
+                </a:ln>
+                <a:solidFill>
+                  <a:srgbClr val="FFFFFF"/>
+                </a:solidFill>
+                <a:effectLst>
+                  <a:outerShdw blurRad="63500" dir="3600000" algn="tl" rotWithShape="0">
+                    <a:srgbClr val="000000">
+                      <a:alpha val="70000"/>
+                    </a:srgbClr>
+                  </a:outerShdw>
+                </a:effectLst>
                 <a:hlinkClick r:id="rId2">
                   <a:extLst>
                     <a:ext uri="{A12FA001-AC4F-418D-AE19-62706E023703}">
-                      <ahyp:hlinkClr xmlns:ahyp="http://schemas.microsoft.com/office/drawing/2018/hyperlinkcolor" val="tx"/>
+                      <ahyp:hlinkClr xmlns="" xmlns:ahyp="http://schemas.microsoft.com/office/drawing/2018/hyperlinkcolor" val="tx"/>
                     </a:ext>
                   </a:extLst>
                 </a:hlinkClick>
@@ -6422,9 +6454,22 @@
               <a:t>http://weblab.cs.uml.edu/~cvu/COMP5130/Week-12/root/</a:t>
             </a:r>
             <a:endParaRPr lang="en-US" dirty="0">
+              <a:ln w="18415" cmpd="sng">
+                <a:solidFill>
+                  <a:srgbClr val="FFFFFF"/>
+                </a:solidFill>
+                <a:prstDash val="solid"/>
+              </a:ln>
               <a:solidFill>
-                <a:schemeClr val="tx1"/>
+                <a:srgbClr val="FFFFFF"/>
               </a:solidFill>
+              <a:effectLst>
+                <a:outerShdw blurRad="63500" dir="3600000" algn="tl" rotWithShape="0">
+                  <a:srgbClr val="000000">
+                    <a:alpha val="70000"/>
+                  </a:srgbClr>
+                </a:outerShdw>
+              </a:effectLst>
             </a:endParaRPr>
           </a:p>
         </p:txBody>
@@ -6434,10 +6479,10 @@
           <p:cNvPr id="10" name="Group 9">
             <a:extLst>
               <a:ext uri="{FF2B5EF4-FFF2-40B4-BE49-F238E27FC236}">
-                <a16:creationId xmlns:a16="http://schemas.microsoft.com/office/drawing/2014/main" id="{A80A6E81-6B71-43DF-877B-E964A9A4CB68}"/>
+                <a16:creationId xmlns="" xmlns:a16="http://schemas.microsoft.com/office/drawing/2014/main" id="{A80A6E81-6B71-43DF-877B-E964A9A4CB68}"/>
               </a:ext>
               <a:ext uri="{C183D7F6-B498-43B3-948B-1728B52AA6E4}">
-                <adec:decorative xmlns:adec="http://schemas.microsoft.com/office/drawing/2017/decorative" val="1"/>
+                <adec:decorative xmlns="" xmlns:adec="http://schemas.microsoft.com/office/drawing/2017/decorative" val="1"/>
               </a:ext>
             </a:extLst>
           </p:cNvPr>
@@ -6447,7 +6492,7 @@
           <p:nvPr>
             <p:extLst>
               <p:ext uri="{386F3935-93C4-4BCD-93E2-E3B085C9AB24}">
-                <p16:designElem xmlns:p16="http://schemas.microsoft.com/office/powerpoint/2015/main" val="1"/>
+                <p16:designElem xmlns="" xmlns:p16="http://schemas.microsoft.com/office/powerpoint/2015/main" val="1"/>
               </p:ext>
             </p:extLst>
           </p:nvPr>
@@ -6465,10 +6510,10 @@
             <p:cNvPr id="11" name="Straight Connector 10">
               <a:extLst>
                 <a:ext uri="{FF2B5EF4-FFF2-40B4-BE49-F238E27FC236}">
-                  <a16:creationId xmlns:a16="http://schemas.microsoft.com/office/drawing/2014/main" id="{4E35C3AD-357F-4004-A3F3-2D4EAF34A63D}"/>
+                  <a16:creationId xmlns="" xmlns:a16="http://schemas.microsoft.com/office/drawing/2014/main" id="{4E35C3AD-357F-4004-A3F3-2D4EAF34A63D}"/>
                 </a:ext>
                 <a:ext uri="{C183D7F6-B498-43B3-948B-1728B52AA6E4}">
-                  <adec:decorative xmlns:adec="http://schemas.microsoft.com/office/drawing/2017/decorative" val="1"/>
+                  <adec:decorative xmlns="" xmlns:adec="http://schemas.microsoft.com/office/drawing/2017/decorative" val="1"/>
                 </a:ext>
               </a:extLst>
             </p:cNvPr>
@@ -6476,7 +6521,7 @@
             <p:nvPr>
               <p:extLst>
                 <p:ext uri="{386F3935-93C4-4BCD-93E2-E3B085C9AB24}">
-                  <p16:designElem xmlns:p16="http://schemas.microsoft.com/office/powerpoint/2015/main" val="1"/>
+                  <p16:designElem xmlns="" xmlns:p16="http://schemas.microsoft.com/office/powerpoint/2015/main" val="1"/>
                 </p:ext>
               </p:extLst>
             </p:nvPr>
@@ -6518,10 +6563,10 @@
             <p:cNvPr id="12" name="Straight Connector 11">
               <a:extLst>
                 <a:ext uri="{FF2B5EF4-FFF2-40B4-BE49-F238E27FC236}">
-                  <a16:creationId xmlns:a16="http://schemas.microsoft.com/office/drawing/2014/main" id="{337B6032-0A70-4F26-A9A3-B4D60DF11818}"/>
+                  <a16:creationId xmlns="" xmlns:a16="http://schemas.microsoft.com/office/drawing/2014/main" id="{337B6032-0A70-4F26-A9A3-B4D60DF11818}"/>
                 </a:ext>
                 <a:ext uri="{C183D7F6-B498-43B3-948B-1728B52AA6E4}">
-                  <adec:decorative xmlns:adec="http://schemas.microsoft.com/office/drawing/2017/decorative" val="1"/>
+                  <adec:decorative xmlns="" xmlns:adec="http://schemas.microsoft.com/office/drawing/2017/decorative" val="1"/>
                 </a:ext>
               </a:extLst>
             </p:cNvPr>
@@ -6529,7 +6574,7 @@
             <p:nvPr>
               <p:extLst>
                 <p:ext uri="{386F3935-93C4-4BCD-93E2-E3B085C9AB24}">
-                  <p16:designElem xmlns:p16="http://schemas.microsoft.com/office/powerpoint/2015/main" val="1"/>
+                  <p16:designElem xmlns="" xmlns:p16="http://schemas.microsoft.com/office/powerpoint/2015/main" val="1"/>
                 </p:ext>
               </p:extLst>
             </p:nvPr>
@@ -6571,10 +6616,10 @@
             <p:cNvPr id="13" name="Straight Connector 12">
               <a:extLst>
                 <a:ext uri="{FF2B5EF4-FFF2-40B4-BE49-F238E27FC236}">
-                  <a16:creationId xmlns:a16="http://schemas.microsoft.com/office/drawing/2014/main" id="{DE192CE3-3DD1-448F-93BE-42983DA0D5A9}"/>
+                  <a16:creationId xmlns="" xmlns:a16="http://schemas.microsoft.com/office/drawing/2014/main" id="{DE192CE3-3DD1-448F-93BE-42983DA0D5A9}"/>
                 </a:ext>
                 <a:ext uri="{C183D7F6-B498-43B3-948B-1728B52AA6E4}">
-                  <adec:decorative xmlns:adec="http://schemas.microsoft.com/office/drawing/2017/decorative" val="1"/>
+                  <adec:decorative xmlns="" xmlns:adec="http://schemas.microsoft.com/office/drawing/2017/decorative" val="1"/>
                 </a:ext>
               </a:extLst>
             </p:cNvPr>
@@ -6582,7 +6627,7 @@
             <p:nvPr>
               <p:extLst>
                 <p:ext uri="{386F3935-93C4-4BCD-93E2-E3B085C9AB24}">
-                  <p16:designElem xmlns:p16="http://schemas.microsoft.com/office/powerpoint/2015/main" val="1"/>
+                  <p16:designElem xmlns="" xmlns:p16="http://schemas.microsoft.com/office/powerpoint/2015/main" val="1"/>
                 </p:ext>
               </p:extLst>
             </p:nvPr>
@@ -6624,10 +6669,10 @@
             <p:cNvPr id="14" name="Straight Connector 13">
               <a:extLst>
                 <a:ext uri="{FF2B5EF4-FFF2-40B4-BE49-F238E27FC236}">
-                  <a16:creationId xmlns:a16="http://schemas.microsoft.com/office/drawing/2014/main" id="{E6D3DA09-5C72-4562-BEDE-1937DF87E81D}"/>
+                  <a16:creationId xmlns="" xmlns:a16="http://schemas.microsoft.com/office/drawing/2014/main" id="{E6D3DA09-5C72-4562-BEDE-1937DF87E81D}"/>
                 </a:ext>
                 <a:ext uri="{C183D7F6-B498-43B3-948B-1728B52AA6E4}">
-                  <adec:decorative xmlns:adec="http://schemas.microsoft.com/office/drawing/2017/decorative" val="1"/>
+                  <adec:decorative xmlns="" xmlns:adec="http://schemas.microsoft.com/office/drawing/2017/decorative" val="1"/>
                 </a:ext>
               </a:extLst>
             </p:cNvPr>
@@ -6635,7 +6680,7 @@
             <p:nvPr>
               <p:extLst>
                 <p:ext uri="{386F3935-93C4-4BCD-93E2-E3B085C9AB24}">
-                  <p16:designElem xmlns:p16="http://schemas.microsoft.com/office/powerpoint/2015/main" val="1"/>
+                  <p16:designElem xmlns="" xmlns:p16="http://schemas.microsoft.com/office/powerpoint/2015/main" val="1"/>
                 </p:ext>
               </p:extLst>
             </p:nvPr>
@@ -6677,10 +6722,10 @@
             <p:cNvPr id="15" name="Straight Connector 14">
               <a:extLst>
                 <a:ext uri="{FF2B5EF4-FFF2-40B4-BE49-F238E27FC236}">
-                  <a16:creationId xmlns:a16="http://schemas.microsoft.com/office/drawing/2014/main" id="{D6ACA7CA-2A20-49D7-9053-E076463D79A3}"/>
+                  <a16:creationId xmlns="" xmlns:a16="http://schemas.microsoft.com/office/drawing/2014/main" id="{D6ACA7CA-2A20-49D7-9053-E076463D79A3}"/>
                 </a:ext>
                 <a:ext uri="{C183D7F6-B498-43B3-948B-1728B52AA6E4}">
-                  <adec:decorative xmlns:adec="http://schemas.microsoft.com/office/drawing/2017/decorative" val="1"/>
+                  <adec:decorative xmlns="" xmlns:adec="http://schemas.microsoft.com/office/drawing/2017/decorative" val="1"/>
                 </a:ext>
               </a:extLst>
             </p:cNvPr>
@@ -6688,7 +6733,7 @@
             <p:nvPr>
               <p:extLst>
                 <p:ext uri="{386F3935-93C4-4BCD-93E2-E3B085C9AB24}">
-                  <p16:designElem xmlns:p16="http://schemas.microsoft.com/office/powerpoint/2015/main" val="1"/>
+                  <p16:designElem xmlns="" xmlns:p16="http://schemas.microsoft.com/office/powerpoint/2015/main" val="1"/>
                 </p:ext>
               </p:extLst>
             </p:nvPr>
@@ -6736,6 +6781,13 @@
   <p:clrMapOvr>
     <a:masterClrMapping/>
   </p:clrMapOvr>
+  <p:timing>
+    <p:tnLst>
+      <p:par>
+        <p:cTn xmlns:p14="http://schemas.microsoft.com/office/powerpoint/2010/main" id="1" dur="indefinite" restart="never" nodeType="tmRoot"/>
+      </p:par>
+    </p:tnLst>
+  </p:timing>
 </p:sld>
 </file>
 
@@ -6786,7 +6838,7 @@
           <p:cNvPr id="2" name="Title 1">
             <a:extLst>
               <a:ext uri="{FF2B5EF4-FFF2-40B4-BE49-F238E27FC236}">
-                <a16:creationId xmlns:a16="http://schemas.microsoft.com/office/drawing/2014/main" id="{74FA70C2-1D05-41FD-B3ED-3C5F4EEE5C33}"/>
+                <a16:creationId xmlns="" xmlns:a16="http://schemas.microsoft.com/office/drawing/2014/main" id="{74FA70C2-1D05-41FD-B3ED-3C5F4EEE5C33}"/>
               </a:ext>
             </a:extLst>
           </p:cNvPr>
@@ -6821,7 +6873,7 @@
           <p:cNvPr id="3" name="Content Placeholder 2">
             <a:extLst>
               <a:ext uri="{FF2B5EF4-FFF2-40B4-BE49-F238E27FC236}">
-                <a16:creationId xmlns:a16="http://schemas.microsoft.com/office/drawing/2014/main" id="{EC006632-CC26-47EE-82FB-556EEC842E9F}"/>
+                <a16:creationId xmlns="" xmlns:a16="http://schemas.microsoft.com/office/drawing/2014/main" id="{EC006632-CC26-47EE-82FB-556EEC842E9F}"/>
               </a:ext>
             </a:extLst>
           </p:cNvPr>
@@ -6946,8 +6998,35 @@
                   <a:schemeClr val="tx1"/>
                 </a:solidFill>
               </a:rPr>
-              <a:t>Forgot password with email confirmation.</a:t>
-            </a:r>
+              <a:t>Forgot password with email confirmation</a:t>
+            </a:r>
+            <a:r>
+              <a:rPr lang="en-US" dirty="0" smtClean="0">
+                <a:solidFill>
+                  <a:schemeClr val="tx1"/>
+                </a:solidFill>
+              </a:rPr>
+              <a:t>.</a:t>
+            </a:r>
+          </a:p>
+          <a:p>
+            <a:pPr lvl="1">
+              <a:buFontTx/>
+              <a:buChar char="-"/>
+            </a:pPr>
+            <a:r>
+              <a:rPr lang="en-US" dirty="0" smtClean="0">
+                <a:solidFill>
+                  <a:schemeClr val="tx1"/>
+                </a:solidFill>
+              </a:rPr>
+              <a:t>Support zip file</a:t>
+            </a:r>
+            <a:endParaRPr lang="en-US" dirty="0">
+              <a:solidFill>
+                <a:schemeClr val="tx1"/>
+              </a:solidFill>
+            </a:endParaRPr>
           </a:p>
         </p:txBody>
       </p:sp>
@@ -7011,7 +7090,7 @@
           <p:cNvPr id="2" name="Title 1">
             <a:extLst>
               <a:ext uri="{FF2B5EF4-FFF2-40B4-BE49-F238E27FC236}">
-                <a16:creationId xmlns:a16="http://schemas.microsoft.com/office/drawing/2014/main" id="{74FA70C2-1D05-41FD-B3ED-3C5F4EEE5C33}"/>
+                <a16:creationId xmlns="" xmlns:a16="http://schemas.microsoft.com/office/drawing/2014/main" id="{74FA70C2-1D05-41FD-B3ED-3C5F4EEE5C33}"/>
               </a:ext>
             </a:extLst>
           </p:cNvPr>
@@ -7046,7 +7125,7 @@
           <p:cNvPr id="3" name="Content Placeholder 2">
             <a:extLst>
               <a:ext uri="{FF2B5EF4-FFF2-40B4-BE49-F238E27FC236}">
-                <a16:creationId xmlns:a16="http://schemas.microsoft.com/office/drawing/2014/main" id="{EC006632-CC26-47EE-82FB-556EEC842E9F}"/>
+                <a16:creationId xmlns="" xmlns:a16="http://schemas.microsoft.com/office/drawing/2014/main" id="{EC006632-CC26-47EE-82FB-556EEC842E9F}"/>
               </a:ext>
             </a:extLst>
           </p:cNvPr>
@@ -7137,7 +7216,7 @@
           <p:cNvPr id="2" name="Title 1">
             <a:extLst>
               <a:ext uri="{FF2B5EF4-FFF2-40B4-BE49-F238E27FC236}">
-                <a16:creationId xmlns:a16="http://schemas.microsoft.com/office/drawing/2014/main" id="{7D185183-7704-4D2E-8E18-49BCEF572804}"/>
+                <a16:creationId xmlns="" xmlns:a16="http://schemas.microsoft.com/office/drawing/2014/main" id="{7D185183-7704-4D2E-8E18-49BCEF572804}"/>
               </a:ext>
             </a:extLst>
           </p:cNvPr>
@@ -7172,7 +7251,7 @@
           <p:cNvPr id="3" name="Content Placeholder 2">
             <a:extLst>
               <a:ext uri="{FF2B5EF4-FFF2-40B4-BE49-F238E27FC236}">
-                <a16:creationId xmlns:a16="http://schemas.microsoft.com/office/drawing/2014/main" id="{AECA9CFC-3461-4D71-8ED0-0BF15C7C0988}"/>
+                <a16:creationId xmlns="" xmlns:a16="http://schemas.microsoft.com/office/drawing/2014/main" id="{AECA9CFC-3461-4D71-8ED0-0BF15C7C0988}"/>
               </a:ext>
             </a:extLst>
           </p:cNvPr>
@@ -7306,7 +7385,7 @@
           <p:cNvPr id="2" name="Title 1">
             <a:extLst>
               <a:ext uri="{FF2B5EF4-FFF2-40B4-BE49-F238E27FC236}">
-                <a16:creationId xmlns:a16="http://schemas.microsoft.com/office/drawing/2014/main" id="{1D55C02B-DD15-4397-B839-6F09A2C57F96}"/>
+                <a16:creationId xmlns="" xmlns:a16="http://schemas.microsoft.com/office/drawing/2014/main" id="{1D55C02B-DD15-4397-B839-6F09A2C57F96}"/>
               </a:ext>
             </a:extLst>
           </p:cNvPr>
@@ -7341,7 +7420,7 @@
           <p:cNvPr id="3" name="Content Placeholder 2">
             <a:extLst>
               <a:ext uri="{FF2B5EF4-FFF2-40B4-BE49-F238E27FC236}">
-                <a16:creationId xmlns:a16="http://schemas.microsoft.com/office/drawing/2014/main" id="{8DD6C7C3-2A8B-4A3D-BDDF-09BBB63FD215}"/>
+                <a16:creationId xmlns="" xmlns:a16="http://schemas.microsoft.com/office/drawing/2014/main" id="{8DD6C7C3-2A8B-4A3D-BDDF-09BBB63FD215}"/>
               </a:ext>
             </a:extLst>
           </p:cNvPr>
@@ -7400,28 +7479,34 @@
               </a:lnSpc>
             </a:pPr>
             <a:r>
+              <a:rPr lang="en-US" dirty="0" smtClean="0">
+                <a:solidFill>
+                  <a:schemeClr val="tx1"/>
+                </a:solidFill>
+              </a:rPr>
+              <a:t>Upload </a:t>
+            </a:r>
+            <a:r>
               <a:rPr lang="en-US" dirty="0">
                 <a:solidFill>
                   <a:schemeClr val="tx1"/>
                 </a:solidFill>
               </a:rPr>
-              <a:t>Upload image via web interface</a:t>
-            </a:r>
-          </a:p>
-          <a:p>
-            <a:pPr>
-              <a:lnSpc>
-                <a:spcPct val="90000"/>
-              </a:lnSpc>
-            </a:pPr>
-            <a:r>
-              <a:rPr lang="en-US" dirty="0">
+              <a:t>images or zip </a:t>
+            </a:r>
+            <a:r>
+              <a:rPr lang="en-US" dirty="0" smtClean="0">
                 <a:solidFill>
                   <a:schemeClr val="tx1"/>
                 </a:solidFill>
               </a:rPr>
-              <a:t>Upload images or zip file</a:t>
-            </a:r>
+              <a:t>file via web interface</a:t>
+            </a:r>
+            <a:endParaRPr lang="en-US" dirty="0">
+              <a:solidFill>
+                <a:schemeClr val="tx1"/>
+              </a:solidFill>
+            </a:endParaRPr>
           </a:p>
           <a:p>
             <a:pPr>
@@ -7530,7 +7615,7 @@
           <p:cNvPr id="2" name="Title 1">
             <a:extLst>
               <a:ext uri="{FF2B5EF4-FFF2-40B4-BE49-F238E27FC236}">
-                <a16:creationId xmlns:a16="http://schemas.microsoft.com/office/drawing/2014/main" id="{1D55C02B-DD15-4397-B839-6F09A2C57F96}"/>
+                <a16:creationId xmlns="" xmlns:a16="http://schemas.microsoft.com/office/drawing/2014/main" id="{1D55C02B-DD15-4397-B839-6F09A2C57F96}"/>
               </a:ext>
             </a:extLst>
           </p:cNvPr>
@@ -7565,7 +7650,7 @@
           <p:cNvPr id="3" name="Content Placeholder 2">
             <a:extLst>
               <a:ext uri="{FF2B5EF4-FFF2-40B4-BE49-F238E27FC236}">
-                <a16:creationId xmlns:a16="http://schemas.microsoft.com/office/drawing/2014/main" id="{8DD6C7C3-2A8B-4A3D-BDDF-09BBB63FD215}"/>
+                <a16:creationId xmlns="" xmlns:a16="http://schemas.microsoft.com/office/drawing/2014/main" id="{8DD6C7C3-2A8B-4A3D-BDDF-09BBB63FD215}"/>
               </a:ext>
             </a:extLst>
           </p:cNvPr>
@@ -7775,7 +7860,7 @@
           <p:cNvPr id="2" name="Title 1">
             <a:extLst>
               <a:ext uri="{FF2B5EF4-FFF2-40B4-BE49-F238E27FC236}">
-                <a16:creationId xmlns:a16="http://schemas.microsoft.com/office/drawing/2014/main" id="{8F5C8459-E74F-4F63-B996-A38917747AC0}"/>
+                <a16:creationId xmlns="" xmlns:a16="http://schemas.microsoft.com/office/drawing/2014/main" id="{8F5C8459-E74F-4F63-B996-A38917747AC0}"/>
               </a:ext>
             </a:extLst>
           </p:cNvPr>
@@ -7810,7 +7895,7 @@
           <p:cNvPr id="3" name="Content Placeholder 2">
             <a:extLst>
               <a:ext uri="{FF2B5EF4-FFF2-40B4-BE49-F238E27FC236}">
-                <a16:creationId xmlns:a16="http://schemas.microsoft.com/office/drawing/2014/main" id="{B55A54BC-B6F4-485C-A93B-009FAA5893EE}"/>
+                <a16:creationId xmlns="" xmlns:a16="http://schemas.microsoft.com/office/drawing/2014/main" id="{B55A54BC-B6F4-485C-A93B-009FAA5893EE}"/>
               </a:ext>
             </a:extLst>
           </p:cNvPr>
@@ -8011,7 +8096,7 @@
           <p:cNvPr id="2" name="Title 1">
             <a:extLst>
               <a:ext uri="{FF2B5EF4-FFF2-40B4-BE49-F238E27FC236}">
-                <a16:creationId xmlns:a16="http://schemas.microsoft.com/office/drawing/2014/main" id="{E4BF4F8E-7ADF-4BDD-8C35-527561751EBC}"/>
+                <a16:creationId xmlns="" xmlns:a16="http://schemas.microsoft.com/office/drawing/2014/main" id="{E4BF4F8E-7ADF-4BDD-8C35-527561751EBC}"/>
               </a:ext>
             </a:extLst>
           </p:cNvPr>
@@ -8046,7 +8131,7 @@
           <p:cNvPr id="3" name="Content Placeholder 2">
             <a:extLst>
               <a:ext uri="{FF2B5EF4-FFF2-40B4-BE49-F238E27FC236}">
-                <a16:creationId xmlns:a16="http://schemas.microsoft.com/office/drawing/2014/main" id="{D2645D03-888C-4E39-8323-069FCF536572}"/>
+                <a16:creationId xmlns="" xmlns:a16="http://schemas.microsoft.com/office/drawing/2014/main" id="{D2645D03-888C-4E39-8323-069FCF536572}"/>
               </a:ext>
             </a:extLst>
           </p:cNvPr>
@@ -8180,7 +8265,7 @@
           <p:cNvPr id="2" name="Title 1">
             <a:extLst>
               <a:ext uri="{FF2B5EF4-FFF2-40B4-BE49-F238E27FC236}">
-                <a16:creationId xmlns:a16="http://schemas.microsoft.com/office/drawing/2014/main" id="{74FA70C2-1D05-41FD-B3ED-3C5F4EEE5C33}"/>
+                <a16:creationId xmlns="" xmlns:a16="http://schemas.microsoft.com/office/drawing/2014/main" id="{74FA70C2-1D05-41FD-B3ED-3C5F4EEE5C33}"/>
               </a:ext>
             </a:extLst>
           </p:cNvPr>
@@ -8215,7 +8300,7 @@
           <p:cNvPr id="3" name="Content Placeholder 2">
             <a:extLst>
               <a:ext uri="{FF2B5EF4-FFF2-40B4-BE49-F238E27FC236}">
-                <a16:creationId xmlns:a16="http://schemas.microsoft.com/office/drawing/2014/main" id="{EC006632-CC26-47EE-82FB-556EEC842E9F}"/>
+                <a16:creationId xmlns="" xmlns:a16="http://schemas.microsoft.com/office/drawing/2014/main" id="{EC006632-CC26-47EE-82FB-556EEC842E9F}"/>
               </a:ext>
             </a:extLst>
           </p:cNvPr>
@@ -8294,7 +8379,7 @@
           <p:cNvPr id="9" name="Picture 8">
             <a:extLst>
               <a:ext uri="{FF2B5EF4-FFF2-40B4-BE49-F238E27FC236}">
-                <a16:creationId xmlns:a16="http://schemas.microsoft.com/office/drawing/2014/main" id="{48D87171-9D2F-47AE-BE4D-14C597806F17}"/>
+                <a16:creationId xmlns="" xmlns:a16="http://schemas.microsoft.com/office/drawing/2014/main" id="{48D87171-9D2F-47AE-BE4D-14C597806F17}"/>
               </a:ext>
             </a:extLst>
           </p:cNvPr>
@@ -8317,8 +8402,8 @@
         </p:blipFill>
         <p:spPr>
           <a:xfrm>
-            <a:off x="6292944" y="859547"/>
-            <a:ext cx="4074753" cy="5312653"/>
+            <a:off x="6391899" y="348187"/>
+            <a:ext cx="4641511" cy="6051591"/>
           </a:xfrm>
           <a:prstGeom prst="rect">
             <a:avLst/>
@@ -8385,7 +8470,7 @@
           <p:cNvPr id="2" name="Title 1">
             <a:extLst>
               <a:ext uri="{FF2B5EF4-FFF2-40B4-BE49-F238E27FC236}">
-                <a16:creationId xmlns:a16="http://schemas.microsoft.com/office/drawing/2014/main" id="{E4BF4F8E-7ADF-4BDD-8C35-527561751EBC}"/>
+                <a16:creationId xmlns="" xmlns:a16="http://schemas.microsoft.com/office/drawing/2014/main" id="{E4BF4F8E-7ADF-4BDD-8C35-527561751EBC}"/>
               </a:ext>
             </a:extLst>
           </p:cNvPr>
@@ -8420,7 +8505,7 @@
           <p:cNvPr id="3" name="Content Placeholder 2">
             <a:extLst>
               <a:ext uri="{FF2B5EF4-FFF2-40B4-BE49-F238E27FC236}">
-                <a16:creationId xmlns:a16="http://schemas.microsoft.com/office/drawing/2014/main" id="{D2645D03-888C-4E39-8323-069FCF536572}"/>
+                <a16:creationId xmlns="" xmlns:a16="http://schemas.microsoft.com/office/drawing/2014/main" id="{D2645D03-888C-4E39-8323-069FCF536572}"/>
               </a:ext>
             </a:extLst>
           </p:cNvPr>
@@ -8544,7 +8629,7 @@
           <p:cNvPr id="14" name="Picture 13">
             <a:extLst>
               <a:ext uri="{FF2B5EF4-FFF2-40B4-BE49-F238E27FC236}">
-                <a16:creationId xmlns:a16="http://schemas.microsoft.com/office/drawing/2014/main" id="{A922A36B-56A5-44ED-9CA0-906B43F9C00B}"/>
+                <a16:creationId xmlns="" xmlns:a16="http://schemas.microsoft.com/office/drawing/2014/main" id="{A922A36B-56A5-44ED-9CA0-906B43F9C00B}"/>
               </a:ext>
             </a:extLst>
           </p:cNvPr>
@@ -8635,7 +8720,7 @@
           <p:cNvPr id="2" name="Title 1">
             <a:extLst>
               <a:ext uri="{FF2B5EF4-FFF2-40B4-BE49-F238E27FC236}">
-                <a16:creationId xmlns:a16="http://schemas.microsoft.com/office/drawing/2014/main" id="{E1E0C807-17B7-4896-AA84-D2B4C27E005D}"/>
+                <a16:creationId xmlns="" xmlns:a16="http://schemas.microsoft.com/office/drawing/2014/main" id="{E1E0C807-17B7-4896-AA84-D2B4C27E005D}"/>
               </a:ext>
             </a:extLst>
           </p:cNvPr>
@@ -8670,7 +8755,7 @@
           <p:cNvPr id="3" name="Content Placeholder 2">
             <a:extLst>
               <a:ext uri="{FF2B5EF4-FFF2-40B4-BE49-F238E27FC236}">
-                <a16:creationId xmlns:a16="http://schemas.microsoft.com/office/drawing/2014/main" id="{FAD0F8D3-1890-4D20-ACD9-8EACBA6A5842}"/>
+                <a16:creationId xmlns="" xmlns:a16="http://schemas.microsoft.com/office/drawing/2014/main" id="{FAD0F8D3-1890-4D20-ACD9-8EACBA6A5842}"/>
               </a:ext>
             </a:extLst>
           </p:cNvPr>
@@ -8683,8 +8768,8 @@
         </p:nvSpPr>
         <p:spPr>
           <a:xfrm>
-            <a:off x="669395" y="2329768"/>
-            <a:ext cx="8534400" cy="3615267"/>
+            <a:off x="669395" y="1600064"/>
+            <a:ext cx="8534400" cy="4344972"/>
           </a:xfrm>
         </p:spPr>
         <p:txBody>
@@ -8716,6 +8801,16 @@
             <a:pPr marL="0" indent="0">
               <a:buNone/>
             </a:pPr>
+            <a:endParaRPr lang="en-US" dirty="0" smtClean="0">
+              <a:solidFill>
+                <a:schemeClr val="tx1"/>
+              </a:solidFill>
+            </a:endParaRPr>
+          </a:p>
+          <a:p>
+            <a:pPr marL="0" indent="0">
+              <a:buNone/>
+            </a:pPr>
             <a:endParaRPr lang="en-US" dirty="0">
               <a:solidFill>
                 <a:schemeClr val="tx1"/>
@@ -8773,7 +8868,7 @@
           <p:cNvPr id="5" name="Picture 4">
             <a:extLst>
               <a:ext uri="{FF2B5EF4-FFF2-40B4-BE49-F238E27FC236}">
-                <a16:creationId xmlns:a16="http://schemas.microsoft.com/office/drawing/2014/main" id="{BCE8E114-FAF5-4BAF-AEAA-7D3EC7116219}"/>
+                <a16:creationId xmlns="" xmlns:a16="http://schemas.microsoft.com/office/drawing/2014/main" id="{BCE8E114-FAF5-4BAF-AEAA-7D3EC7116219}"/>
               </a:ext>
             </a:extLst>
           </p:cNvPr>
@@ -8796,8 +8891,8 @@
         </p:blipFill>
         <p:spPr>
           <a:xfrm>
-            <a:off x="2220187" y="2808838"/>
-            <a:ext cx="4286250" cy="819150"/>
+            <a:off x="2236680" y="2264486"/>
+            <a:ext cx="6104172" cy="1166575"/>
           </a:xfrm>
           <a:prstGeom prst="rect">
             <a:avLst/>
@@ -8809,7 +8904,7 @@
           <p:cNvPr id="7" name="Picture 6">
             <a:extLst>
               <a:ext uri="{FF2B5EF4-FFF2-40B4-BE49-F238E27FC236}">
-                <a16:creationId xmlns:a16="http://schemas.microsoft.com/office/drawing/2014/main" id="{4CE96E58-7E31-4BD5-9F42-C73DDDBEE5D8}"/>
+                <a16:creationId xmlns="" xmlns:a16="http://schemas.microsoft.com/office/drawing/2014/main" id="{4CE96E58-7E31-4BD5-9F42-C73DDDBEE5D8}"/>
               </a:ext>
             </a:extLst>
           </p:cNvPr>
@@ -8832,8 +8927,8 @@
         </p:blipFill>
         <p:spPr>
           <a:xfrm>
-            <a:off x="2160586" y="4137401"/>
-            <a:ext cx="6324600" cy="1476375"/>
+            <a:off x="1500891" y="4120906"/>
+            <a:ext cx="7927140" cy="1850462"/>
           </a:xfrm>
           <a:prstGeom prst="rect">
             <a:avLst/>
@@ -8896,7 +8991,7 @@
     </a:clrScheme>
     <a:fontScheme name="Slice">
       <a:majorFont>
-        <a:latin typeface="Century Gothic" panose="020B0502020202020204"/>
+        <a:latin typeface="Century Gothic"/>
         <a:ea typeface=""/>
         <a:cs typeface=""/>
         <a:font script="Jpan" typeface="メイリオ"/>
@@ -8931,7 +9026,7 @@
         <a:font script="Geor" typeface="Sylfaen"/>
       </a:majorFont>
       <a:minorFont>
-        <a:latin typeface="Century Gothic" panose="020B0502020202020204"/>
+        <a:latin typeface="Century Gothic"/>
         <a:ea typeface=""/>
         <a:cs typeface=""/>
         <a:font script="Jpan" typeface="メイリオ"/>
@@ -9121,7 +9216,7 @@
   <a:extraClrSchemeLst/>
   <a:extLst>
     <a:ext uri="{05A4C25C-085E-4340-85A3-A5531E510DB2}">
-      <thm15:themeFamily xmlns:thm15="http://schemas.microsoft.com/office/thememl/2012/main" name="Slice" id="{0507925B-6AC9-4358-8E18-C330545D08F8}" vid="{13FEC7C6-62A9-40C4-99D2-581AACACAA2F}"/>
+      <thm15:themeFamily xmlns="" xmlns:thm15="http://schemas.microsoft.com/office/thememl/2012/main" name="Slice" id="{0507925B-6AC9-4358-8E18-C330545D08F8}" vid="{13FEC7C6-62A9-40C4-99D2-581AACACAA2F}"/>
     </a:ext>
   </a:extLst>
 </a:theme>
